--- a/Paper Review/Paper Review 2 - John Wesley Mathis.pptx
+++ b/Paper Review/Paper Review 2 - John Wesley Mathis.pptx
@@ -4,27 +4,28 @@
   <p:sldMasterIdLst>
     <p:sldMasterId id="2147483648" r:id="rId2"/>
     <p:sldMasterId id="2147483650" r:id="rId3"/>
+    <p:sldMasterId id="2147483652" r:id="rId4"/>
   </p:sldMasterIdLst>
   <p:notesMasterIdLst>
-    <p:notesMasterId r:id="rId4"/>
+    <p:notesMasterId r:id="rId5"/>
   </p:notesMasterIdLst>
   <p:sldIdLst>
-    <p:sldId id="256" r:id="rId5"/>
-    <p:sldId id="257" r:id="rId6"/>
-    <p:sldId id="258" r:id="rId7"/>
-    <p:sldId id="259" r:id="rId8"/>
-    <p:sldId id="260" r:id="rId9"/>
-    <p:sldId id="261" r:id="rId10"/>
-    <p:sldId id="262" r:id="rId11"/>
-    <p:sldId id="263" r:id="rId12"/>
-    <p:sldId id="264" r:id="rId13"/>
-    <p:sldId id="265" r:id="rId14"/>
-    <p:sldId id="266" r:id="rId15"/>
-    <p:sldId id="267" r:id="rId16"/>
-    <p:sldId id="268" r:id="rId17"/>
-    <p:sldId id="269" r:id="rId18"/>
-    <p:sldId id="270" r:id="rId19"/>
-    <p:sldId id="271" r:id="rId20"/>
+    <p:sldId id="256" r:id="rId6"/>
+    <p:sldId id="257" r:id="rId7"/>
+    <p:sldId id="258" r:id="rId8"/>
+    <p:sldId id="259" r:id="rId9"/>
+    <p:sldId id="260" r:id="rId10"/>
+    <p:sldId id="261" r:id="rId11"/>
+    <p:sldId id="262" r:id="rId12"/>
+    <p:sldId id="263" r:id="rId13"/>
+    <p:sldId id="264" r:id="rId14"/>
+    <p:sldId id="265" r:id="rId15"/>
+    <p:sldId id="266" r:id="rId16"/>
+    <p:sldId id="267" r:id="rId17"/>
+    <p:sldId id="268" r:id="rId18"/>
+    <p:sldId id="269" r:id="rId19"/>
+    <p:sldId id="270" r:id="rId20"/>
+    <p:sldId id="271" r:id="rId21"/>
   </p:sldIdLst>
   <p:sldSz cx="10080625" cy="5670550"/>
   <p:notesSz cx="7772400" cy="10058400"/>
@@ -50,7 +51,7 @@
       </p:grpSpPr>
       <p:sp>
         <p:nvSpPr>
-          <p:cNvPr id="16" name="PlaceHolder 1"/>
+          <p:cNvPr id="21" name="PlaceHolder 1"/>
           <p:cNvSpPr>
             <a:spLocks noGrp="1"/>
           </p:cNvSpPr>
@@ -97,7 +98,7 @@
       </p:sp>
       <p:sp>
         <p:nvSpPr>
-          <p:cNvPr id="17" name="PlaceHolder 2"/>
+          <p:cNvPr id="22" name="PlaceHolder 2"/>
           <p:cNvSpPr>
             <a:spLocks noGrp="1"/>
           </p:cNvSpPr>
@@ -146,7 +147,7 @@
       </p:sp>
       <p:sp>
         <p:nvSpPr>
-          <p:cNvPr id="18" name="PlaceHolder 3"/>
+          <p:cNvPr id="23" name="PlaceHolder 3"/>
           <p:cNvSpPr>
             <a:spLocks noGrp="1"/>
           </p:cNvSpPr>
@@ -195,12 +196,12 @@
       </p:sp>
       <p:sp>
         <p:nvSpPr>
-          <p:cNvPr id="19" name="PlaceHolder 4"/>
-          <p:cNvSpPr>
-            <a:spLocks noGrp="1"/>
-          </p:cNvSpPr>
-          <p:nvPr>
-            <p:ph type="dt" idx="7"/>
+          <p:cNvPr id="24" name="PlaceHolder 4"/>
+          <p:cNvSpPr>
+            <a:spLocks noGrp="1"/>
+          </p:cNvSpPr>
+          <p:nvPr>
+            <p:ph type="dt" idx="10"/>
           </p:nvPr>
         </p:nvSpPr>
         <p:spPr>
@@ -255,12 +256,12 @@
       </p:sp>
       <p:sp>
         <p:nvSpPr>
-          <p:cNvPr id="20" name="PlaceHolder 5"/>
-          <p:cNvSpPr>
-            <a:spLocks noGrp="1"/>
-          </p:cNvSpPr>
-          <p:nvPr>
-            <p:ph type="ftr" idx="8"/>
+          <p:cNvPr id="25" name="PlaceHolder 5"/>
+          <p:cNvSpPr>
+            <a:spLocks noGrp="1"/>
+          </p:cNvSpPr>
+          <p:nvPr>
+            <p:ph type="ftr" idx="11"/>
           </p:nvPr>
         </p:nvSpPr>
         <p:spPr>
@@ -315,12 +316,12 @@
       </p:sp>
       <p:sp>
         <p:nvSpPr>
-          <p:cNvPr id="21" name="PlaceHolder 6"/>
-          <p:cNvSpPr>
-            <a:spLocks noGrp="1"/>
-          </p:cNvSpPr>
-          <p:nvPr>
-            <p:ph type="sldNum" idx="9"/>
+          <p:cNvPr id="26" name="PlaceHolder 6"/>
+          <p:cNvSpPr>
+            <a:spLocks noGrp="1"/>
+          </p:cNvSpPr>
+          <p:nvPr>
+            <p:ph type="sldNum" idx="12"/>
           </p:nvPr>
         </p:nvSpPr>
         <p:spPr>
@@ -355,7 +356,7 @@
             <a:pPr indent="0" algn="r">
               <a:buNone/>
             </a:pPr>
-            <a:fld id="{8FBDEB84-0D09-4949-8F36-F384A982991F}" type="slidenum">
+            <a:fld id="{7FC92265-695A-43DF-AC95-59D89C850AFD}" type="slidenum">
               <a:rPr b="0" lang="en-US" sz="1400" spc="-1" strike="noStrike">
                 <a:solidFill>
                   <a:srgbClr val="000000"/>
@@ -398,7 +399,7 @@
       </p:grpSpPr>
       <p:sp>
         <p:nvSpPr>
-          <p:cNvPr id="74" name="PlaceHolder 1"/>
+          <p:cNvPr id="79" name="PlaceHolder 1"/>
           <p:cNvSpPr>
             <a:spLocks noGrp="1"/>
           </p:cNvSpPr>
@@ -409,19 +410,19 @@
         <p:spPr>
           <a:xfrm>
             <a:off x="533520" y="764280"/>
-            <a:ext cx="6704640" cy="3771360"/>
-          </a:xfrm>
-          <a:prstGeom prst="rect">
-            <a:avLst/>
-          </a:prstGeom>
-          <a:ln w="0">
-            <a:noFill/>
-          </a:ln>
-        </p:spPr>
-      </p:sp>
-      <p:sp>
-        <p:nvSpPr>
-          <p:cNvPr id="75" name="PlaceHolder 2"/>
+            <a:ext cx="6704280" cy="3771000"/>
+          </a:xfrm>
+          <a:prstGeom prst="rect">
+            <a:avLst/>
+          </a:prstGeom>
+          <a:ln w="0">
+            <a:noFill/>
+          </a:ln>
+        </p:spPr>
+      </p:sp>
+      <p:sp>
+        <p:nvSpPr>
+          <p:cNvPr id="80" name="PlaceHolder 2"/>
           <p:cNvSpPr>
             <a:spLocks noGrp="1"/>
           </p:cNvSpPr>
@@ -432,7 +433,7 @@
         <p:spPr>
           <a:xfrm>
             <a:off x="777240" y="4777560"/>
-            <a:ext cx="6217560" cy="4525920"/>
+            <a:ext cx="6217200" cy="4525560"/>
           </a:xfrm>
           <a:prstGeom prst="rect">
             <a:avLst/>
@@ -448,7 +449,13 @@
           </a:bodyPr>
           <a:p>
             <a:pPr marL="216000" indent="-216000">
+              <a:lnSpc>
+                <a:spcPct val="100000"/>
+              </a:lnSpc>
               <a:buNone/>
+              <a:tabLst>
+                <a:tab algn="l" pos="0"/>
+              </a:tabLst>
             </a:pPr>
             <a:r>
               <a:rPr b="0" lang="en-US" sz="2000" spc="-1" strike="noStrike">
@@ -468,7 +475,13 @@
           </a:p>
           <a:p>
             <a:pPr marL="216000" indent="-216000">
+              <a:lnSpc>
+                <a:spcPct val="100000"/>
+              </a:lnSpc>
               <a:buNone/>
+              <a:tabLst>
+                <a:tab algn="l" pos="0"/>
+              </a:tabLst>
             </a:pPr>
             <a:r>
               <a:rPr b="0" lang="en-US" sz="2000" spc="-1" strike="noStrike">
@@ -512,7 +525,7 @@
       </p:grpSpPr>
       <p:sp>
         <p:nvSpPr>
-          <p:cNvPr id="76" name="PlaceHolder 1"/>
+          <p:cNvPr id="81" name="PlaceHolder 1"/>
           <p:cNvSpPr>
             <a:spLocks noGrp="1"/>
           </p:cNvSpPr>
@@ -523,19 +536,19 @@
         <p:spPr>
           <a:xfrm>
             <a:off x="533520" y="764280"/>
-            <a:ext cx="6704640" cy="3771360"/>
-          </a:xfrm>
-          <a:prstGeom prst="rect">
-            <a:avLst/>
-          </a:prstGeom>
-          <a:ln w="0">
-            <a:noFill/>
-          </a:ln>
-        </p:spPr>
-      </p:sp>
-      <p:sp>
-        <p:nvSpPr>
-          <p:cNvPr id="77" name="PlaceHolder 2"/>
+            <a:ext cx="6704280" cy="3771000"/>
+          </a:xfrm>
+          <a:prstGeom prst="rect">
+            <a:avLst/>
+          </a:prstGeom>
+          <a:ln w="0">
+            <a:noFill/>
+          </a:ln>
+        </p:spPr>
+      </p:sp>
+      <p:sp>
+        <p:nvSpPr>
+          <p:cNvPr id="82" name="PlaceHolder 2"/>
           <p:cNvSpPr>
             <a:spLocks noGrp="1"/>
           </p:cNvSpPr>
@@ -546,7 +559,7 @@
         <p:spPr>
           <a:xfrm>
             <a:off x="777240" y="4777560"/>
-            <a:ext cx="6217560" cy="4525920"/>
+            <a:ext cx="6217200" cy="4525560"/>
           </a:xfrm>
           <a:prstGeom prst="rect">
             <a:avLst/>
@@ -562,7 +575,13 @@
           </a:bodyPr>
           <a:p>
             <a:pPr marL="216000" indent="-216000">
+              <a:lnSpc>
+                <a:spcPct val="100000"/>
+              </a:lnSpc>
               <a:buNone/>
+              <a:tabLst>
+                <a:tab algn="l" pos="0"/>
+              </a:tabLst>
             </a:pPr>
             <a:r>
               <a:rPr b="0" lang="en-US" sz="2000" spc="-1" strike="noStrike">
@@ -606,7 +625,7 @@
       </p:grpSpPr>
       <p:sp>
         <p:nvSpPr>
-          <p:cNvPr id="78" name="PlaceHolder 1"/>
+          <p:cNvPr id="83" name="PlaceHolder 1"/>
           <p:cNvSpPr>
             <a:spLocks noGrp="1"/>
           </p:cNvSpPr>
@@ -617,19 +636,19 @@
         <p:spPr>
           <a:xfrm>
             <a:off x="533520" y="764280"/>
-            <a:ext cx="6704640" cy="3771360"/>
-          </a:xfrm>
-          <a:prstGeom prst="rect">
-            <a:avLst/>
-          </a:prstGeom>
-          <a:ln w="0">
-            <a:noFill/>
-          </a:ln>
-        </p:spPr>
-      </p:sp>
-      <p:sp>
-        <p:nvSpPr>
-          <p:cNvPr id="79" name="PlaceHolder 2"/>
+            <a:ext cx="6704280" cy="3771000"/>
+          </a:xfrm>
+          <a:prstGeom prst="rect">
+            <a:avLst/>
+          </a:prstGeom>
+          <a:ln w="0">
+            <a:noFill/>
+          </a:ln>
+        </p:spPr>
+      </p:sp>
+      <p:sp>
+        <p:nvSpPr>
+          <p:cNvPr id="84" name="PlaceHolder 2"/>
           <p:cNvSpPr>
             <a:spLocks noGrp="1"/>
           </p:cNvSpPr>
@@ -640,7 +659,7 @@
         <p:spPr>
           <a:xfrm>
             <a:off x="777240" y="4777560"/>
-            <a:ext cx="6217560" cy="4525920"/>
+            <a:ext cx="6217200" cy="4525560"/>
           </a:xfrm>
           <a:prstGeom prst="rect">
             <a:avLst/>
@@ -656,7 +675,13 @@
           </a:bodyPr>
           <a:p>
             <a:pPr marL="216000" indent="-216000">
+              <a:lnSpc>
+                <a:spcPct val="100000"/>
+              </a:lnSpc>
               <a:buNone/>
+              <a:tabLst>
+                <a:tab algn="l" pos="0"/>
+              </a:tabLst>
             </a:pPr>
             <a:r>
               <a:rPr b="0" lang="en-US" sz="2000" spc="-1" strike="noStrike">
@@ -700,7 +725,7 @@
       </p:grpSpPr>
       <p:sp>
         <p:nvSpPr>
-          <p:cNvPr id="80" name="PlaceHolder 1"/>
+          <p:cNvPr id="85" name="PlaceHolder 1"/>
           <p:cNvSpPr>
             <a:spLocks noGrp="1"/>
           </p:cNvSpPr>
@@ -711,19 +736,19 @@
         <p:spPr>
           <a:xfrm>
             <a:off x="533520" y="764280"/>
-            <a:ext cx="6704640" cy="3771360"/>
-          </a:xfrm>
-          <a:prstGeom prst="rect">
-            <a:avLst/>
-          </a:prstGeom>
-          <a:ln w="0">
-            <a:noFill/>
-          </a:ln>
-        </p:spPr>
-      </p:sp>
-      <p:sp>
-        <p:nvSpPr>
-          <p:cNvPr id="81" name="PlaceHolder 2"/>
+            <a:ext cx="6704280" cy="3771000"/>
+          </a:xfrm>
+          <a:prstGeom prst="rect">
+            <a:avLst/>
+          </a:prstGeom>
+          <a:ln w="0">
+            <a:noFill/>
+          </a:ln>
+        </p:spPr>
+      </p:sp>
+      <p:sp>
+        <p:nvSpPr>
+          <p:cNvPr id="86" name="PlaceHolder 2"/>
           <p:cNvSpPr>
             <a:spLocks noGrp="1"/>
           </p:cNvSpPr>
@@ -734,7 +759,7 @@
         <p:spPr>
           <a:xfrm>
             <a:off x="777240" y="4777560"/>
-            <a:ext cx="6217560" cy="4525920"/>
+            <a:ext cx="6217200" cy="4525560"/>
           </a:xfrm>
           <a:prstGeom prst="rect">
             <a:avLst/>
@@ -750,7 +775,13 @@
           </a:bodyPr>
           <a:p>
             <a:pPr marL="216000" indent="-216000">
+              <a:lnSpc>
+                <a:spcPct val="100000"/>
+              </a:lnSpc>
               <a:buNone/>
+              <a:tabLst>
+                <a:tab algn="l" pos="0"/>
+              </a:tabLst>
             </a:pPr>
             <a:r>
               <a:rPr b="0" lang="en-US" sz="2000" spc="-1" strike="noStrike">
@@ -794,7 +825,7 @@
       </p:grpSpPr>
       <p:sp>
         <p:nvSpPr>
-          <p:cNvPr id="60" name="PlaceHolder 1"/>
+          <p:cNvPr id="65" name="PlaceHolder 1"/>
           <p:cNvSpPr>
             <a:spLocks noGrp="1"/>
           </p:cNvSpPr>
@@ -805,19 +836,19 @@
         <p:spPr>
           <a:xfrm>
             <a:off x="533520" y="764280"/>
-            <a:ext cx="6703920" cy="3770640"/>
-          </a:xfrm>
-          <a:prstGeom prst="rect">
-            <a:avLst/>
-          </a:prstGeom>
-          <a:ln w="0">
-            <a:noFill/>
-          </a:ln>
-        </p:spPr>
-      </p:sp>
-      <p:sp>
-        <p:nvSpPr>
-          <p:cNvPr id="61" name="PlaceHolder 2"/>
+            <a:ext cx="6703560" cy="3770280"/>
+          </a:xfrm>
+          <a:prstGeom prst="rect">
+            <a:avLst/>
+          </a:prstGeom>
+          <a:ln w="0">
+            <a:noFill/>
+          </a:ln>
+        </p:spPr>
+      </p:sp>
+      <p:sp>
+        <p:nvSpPr>
+          <p:cNvPr id="66" name="PlaceHolder 2"/>
           <p:cNvSpPr>
             <a:spLocks noGrp="1"/>
           </p:cNvSpPr>
@@ -828,7 +859,7 @@
         <p:spPr>
           <a:xfrm>
             <a:off x="777240" y="4777560"/>
-            <a:ext cx="6216840" cy="4525200"/>
+            <a:ext cx="6216480" cy="4524840"/>
           </a:xfrm>
           <a:prstGeom prst="rect">
             <a:avLst/>
@@ -989,7 +1020,7 @@
       </p:grpSpPr>
       <p:sp>
         <p:nvSpPr>
-          <p:cNvPr id="62" name="PlaceHolder 1"/>
+          <p:cNvPr id="67" name="PlaceHolder 1"/>
           <p:cNvSpPr>
             <a:spLocks noGrp="1"/>
           </p:cNvSpPr>
@@ -1000,19 +1031,19 @@
         <p:spPr>
           <a:xfrm>
             <a:off x="533520" y="764280"/>
-            <a:ext cx="6704640" cy="3771360"/>
-          </a:xfrm>
-          <a:prstGeom prst="rect">
-            <a:avLst/>
-          </a:prstGeom>
-          <a:ln w="0">
-            <a:noFill/>
-          </a:ln>
-        </p:spPr>
-      </p:sp>
-      <p:sp>
-        <p:nvSpPr>
-          <p:cNvPr id="63" name="PlaceHolder 2"/>
+            <a:ext cx="6704280" cy="3771000"/>
+          </a:xfrm>
+          <a:prstGeom prst="rect">
+            <a:avLst/>
+          </a:prstGeom>
+          <a:ln w="0">
+            <a:noFill/>
+          </a:ln>
+        </p:spPr>
+      </p:sp>
+      <p:sp>
+        <p:nvSpPr>
+          <p:cNvPr id="68" name="PlaceHolder 2"/>
           <p:cNvSpPr>
             <a:spLocks noGrp="1"/>
           </p:cNvSpPr>
@@ -1023,7 +1054,7 @@
         <p:spPr>
           <a:xfrm>
             <a:off x="777240" y="4777560"/>
-            <a:ext cx="6217560" cy="4525920"/>
+            <a:ext cx="6217200" cy="4525560"/>
           </a:xfrm>
           <a:prstGeom prst="rect">
             <a:avLst/>
@@ -1039,7 +1070,13 @@
           </a:bodyPr>
           <a:p>
             <a:pPr marL="216000" indent="-216000">
+              <a:lnSpc>
+                <a:spcPct val="100000"/>
+              </a:lnSpc>
               <a:buNone/>
+              <a:tabLst>
+                <a:tab algn="l" pos="0"/>
+              </a:tabLst>
             </a:pPr>
             <a:r>
               <a:rPr b="0" lang="en-US" sz="2000" spc="-1" strike="noStrike">
@@ -1059,7 +1096,13 @@
           </a:p>
           <a:p>
             <a:pPr marL="216000" indent="-216000">
+              <a:lnSpc>
+                <a:spcPct val="100000"/>
+              </a:lnSpc>
               <a:buNone/>
+              <a:tabLst>
+                <a:tab algn="l" pos="0"/>
+              </a:tabLst>
             </a:pPr>
             <a:r>
               <a:rPr b="0" lang="en-US" sz="2000" spc="-1" strike="noStrike">
@@ -1103,7 +1146,7 @@
       </p:grpSpPr>
       <p:sp>
         <p:nvSpPr>
-          <p:cNvPr id="64" name="PlaceHolder 1"/>
+          <p:cNvPr id="69" name="PlaceHolder 1"/>
           <p:cNvSpPr>
             <a:spLocks noGrp="1"/>
           </p:cNvSpPr>
@@ -1114,19 +1157,19 @@
         <p:spPr>
           <a:xfrm>
             <a:off x="533520" y="764280"/>
-            <a:ext cx="6704640" cy="3771360"/>
-          </a:xfrm>
-          <a:prstGeom prst="rect">
-            <a:avLst/>
-          </a:prstGeom>
-          <a:ln w="0">
-            <a:noFill/>
-          </a:ln>
-        </p:spPr>
-      </p:sp>
-      <p:sp>
-        <p:nvSpPr>
-          <p:cNvPr id="65" name="PlaceHolder 2"/>
+            <a:ext cx="6704280" cy="3771000"/>
+          </a:xfrm>
+          <a:prstGeom prst="rect">
+            <a:avLst/>
+          </a:prstGeom>
+          <a:ln w="0">
+            <a:noFill/>
+          </a:ln>
+        </p:spPr>
+      </p:sp>
+      <p:sp>
+        <p:nvSpPr>
+          <p:cNvPr id="70" name="PlaceHolder 2"/>
           <p:cNvSpPr>
             <a:spLocks noGrp="1"/>
           </p:cNvSpPr>
@@ -1137,7 +1180,7 @@
         <p:spPr>
           <a:xfrm>
             <a:off x="777240" y="4777560"/>
-            <a:ext cx="6217560" cy="4525920"/>
+            <a:ext cx="6217200" cy="4525560"/>
           </a:xfrm>
           <a:prstGeom prst="rect">
             <a:avLst/>
@@ -1153,7 +1196,13 @@
           </a:bodyPr>
           <a:p>
             <a:pPr marL="216000" indent="-216000">
+              <a:lnSpc>
+                <a:spcPct val="100000"/>
+              </a:lnSpc>
               <a:buNone/>
+              <a:tabLst>
+                <a:tab algn="l" pos="0"/>
+              </a:tabLst>
             </a:pPr>
             <a:r>
               <a:rPr b="0" lang="en-US" sz="2000" spc="-1" strike="noStrike">
@@ -1173,7 +1222,13 @@
           </a:p>
           <a:p>
             <a:pPr marL="216000" indent="-216000">
+              <a:lnSpc>
+                <a:spcPct val="100000"/>
+              </a:lnSpc>
               <a:buNone/>
+              <a:tabLst>
+                <a:tab algn="l" pos="0"/>
+              </a:tabLst>
             </a:pPr>
             <a:r>
               <a:rPr b="0" lang="en-US" sz="2000" spc="-1" strike="noStrike">
@@ -1217,7 +1272,7 @@
       </p:grpSpPr>
       <p:sp>
         <p:nvSpPr>
-          <p:cNvPr id="66" name="PlaceHolder 1"/>
+          <p:cNvPr id="71" name="PlaceHolder 1"/>
           <p:cNvSpPr>
             <a:spLocks noGrp="1"/>
           </p:cNvSpPr>
@@ -1228,19 +1283,19 @@
         <p:spPr>
           <a:xfrm>
             <a:off x="533520" y="764280"/>
-            <a:ext cx="6703920" cy="3770640"/>
-          </a:xfrm>
-          <a:prstGeom prst="rect">
-            <a:avLst/>
-          </a:prstGeom>
-          <a:ln w="0">
-            <a:noFill/>
-          </a:ln>
-        </p:spPr>
-      </p:sp>
-      <p:sp>
-        <p:nvSpPr>
-          <p:cNvPr id="67" name="PlaceHolder 2"/>
+            <a:ext cx="6703560" cy="3770280"/>
+          </a:xfrm>
+          <a:prstGeom prst="rect">
+            <a:avLst/>
+          </a:prstGeom>
+          <a:ln w="0">
+            <a:noFill/>
+          </a:ln>
+        </p:spPr>
+      </p:sp>
+      <p:sp>
+        <p:nvSpPr>
+          <p:cNvPr id="72" name="PlaceHolder 2"/>
           <p:cNvSpPr>
             <a:spLocks noGrp="1"/>
           </p:cNvSpPr>
@@ -1251,7 +1306,7 @@
         <p:spPr>
           <a:xfrm>
             <a:off x="777240" y="4777560"/>
-            <a:ext cx="6216840" cy="4525200"/>
+            <a:ext cx="6216480" cy="4524840"/>
           </a:xfrm>
           <a:prstGeom prst="rect">
             <a:avLst/>
@@ -1317,7 +1372,7 @@
       </p:grpSpPr>
       <p:sp>
         <p:nvSpPr>
-          <p:cNvPr id="68" name="PlaceHolder 1"/>
+          <p:cNvPr id="73" name="PlaceHolder 1"/>
           <p:cNvSpPr>
             <a:spLocks noGrp="1"/>
           </p:cNvSpPr>
@@ -1328,19 +1383,19 @@
         <p:spPr>
           <a:xfrm>
             <a:off x="533520" y="764280"/>
-            <a:ext cx="6704640" cy="3771360"/>
-          </a:xfrm>
-          <a:prstGeom prst="rect">
-            <a:avLst/>
-          </a:prstGeom>
-          <a:ln w="0">
-            <a:noFill/>
-          </a:ln>
-        </p:spPr>
-      </p:sp>
-      <p:sp>
-        <p:nvSpPr>
-          <p:cNvPr id="69" name="PlaceHolder 2"/>
+            <a:ext cx="6704280" cy="3771000"/>
+          </a:xfrm>
+          <a:prstGeom prst="rect">
+            <a:avLst/>
+          </a:prstGeom>
+          <a:ln w="0">
+            <a:noFill/>
+          </a:ln>
+        </p:spPr>
+      </p:sp>
+      <p:sp>
+        <p:nvSpPr>
+          <p:cNvPr id="74" name="PlaceHolder 2"/>
           <p:cNvSpPr>
             <a:spLocks noGrp="1"/>
           </p:cNvSpPr>
@@ -1351,7 +1406,7 @@
         <p:spPr>
           <a:xfrm>
             <a:off x="777240" y="4777560"/>
-            <a:ext cx="6217560" cy="4525920"/>
+            <a:ext cx="6217200" cy="4525560"/>
           </a:xfrm>
           <a:prstGeom prst="rect">
             <a:avLst/>
@@ -1367,7 +1422,13 @@
           </a:bodyPr>
           <a:p>
             <a:pPr marL="216000" indent="-216000">
+              <a:lnSpc>
+                <a:spcPct val="100000"/>
+              </a:lnSpc>
               <a:buNone/>
+              <a:tabLst>
+                <a:tab algn="l" pos="0"/>
+              </a:tabLst>
             </a:pPr>
             <a:r>
               <a:rPr b="0" lang="en-US" sz="2000" spc="-1" strike="noStrike">
@@ -1387,7 +1448,13 @@
           </a:p>
           <a:p>
             <a:pPr marL="216000" indent="-216000">
+              <a:lnSpc>
+                <a:spcPct val="100000"/>
+              </a:lnSpc>
               <a:buNone/>
+              <a:tabLst>
+                <a:tab algn="l" pos="0"/>
+              </a:tabLst>
             </a:pPr>
             <a:r>
               <a:rPr b="0" lang="en-US" sz="2000" spc="-1" strike="noStrike">
@@ -1407,7 +1474,13 @@
           </a:p>
           <a:p>
             <a:pPr marL="216000" indent="-216000">
+              <a:lnSpc>
+                <a:spcPct val="100000"/>
+              </a:lnSpc>
               <a:buNone/>
+              <a:tabLst>
+                <a:tab algn="l" pos="0"/>
+              </a:tabLst>
             </a:pPr>
             <a:r>
               <a:rPr b="0" lang="en-US" sz="2000" spc="-1" strike="noStrike">
@@ -1451,7 +1524,7 @@
       </p:grpSpPr>
       <p:sp>
         <p:nvSpPr>
-          <p:cNvPr id="70" name="PlaceHolder 1"/>
+          <p:cNvPr id="75" name="PlaceHolder 1"/>
           <p:cNvSpPr>
             <a:spLocks noGrp="1"/>
           </p:cNvSpPr>
@@ -1462,19 +1535,19 @@
         <p:spPr>
           <a:xfrm>
             <a:off x="533520" y="764280"/>
-            <a:ext cx="6704640" cy="3771360"/>
-          </a:xfrm>
-          <a:prstGeom prst="rect">
-            <a:avLst/>
-          </a:prstGeom>
-          <a:ln w="0">
-            <a:noFill/>
-          </a:ln>
-        </p:spPr>
-      </p:sp>
-      <p:sp>
-        <p:nvSpPr>
-          <p:cNvPr id="71" name="PlaceHolder 2"/>
+            <a:ext cx="6704280" cy="3771000"/>
+          </a:xfrm>
+          <a:prstGeom prst="rect">
+            <a:avLst/>
+          </a:prstGeom>
+          <a:ln w="0">
+            <a:noFill/>
+          </a:ln>
+        </p:spPr>
+      </p:sp>
+      <p:sp>
+        <p:nvSpPr>
+          <p:cNvPr id="76" name="PlaceHolder 2"/>
           <p:cNvSpPr>
             <a:spLocks noGrp="1"/>
           </p:cNvSpPr>
@@ -1485,7 +1558,7 @@
         <p:spPr>
           <a:xfrm>
             <a:off x="777240" y="4777560"/>
-            <a:ext cx="6217560" cy="4525920"/>
+            <a:ext cx="6217200" cy="4525560"/>
           </a:xfrm>
           <a:prstGeom prst="rect">
             <a:avLst/>
@@ -1501,7 +1574,13 @@
           </a:bodyPr>
           <a:p>
             <a:pPr marL="216000" indent="-216000">
+              <a:lnSpc>
+                <a:spcPct val="100000"/>
+              </a:lnSpc>
               <a:buNone/>
+              <a:tabLst>
+                <a:tab algn="l" pos="0"/>
+              </a:tabLst>
             </a:pPr>
             <a:r>
               <a:rPr b="0" lang="en-US" sz="2000" spc="-1" strike="noStrike">
@@ -1545,7 +1624,7 @@
       </p:grpSpPr>
       <p:sp>
         <p:nvSpPr>
-          <p:cNvPr id="72" name="PlaceHolder 1"/>
+          <p:cNvPr id="77" name="PlaceHolder 1"/>
           <p:cNvSpPr>
             <a:spLocks noGrp="1"/>
           </p:cNvSpPr>
@@ -1556,19 +1635,19 @@
         <p:spPr>
           <a:xfrm>
             <a:off x="533520" y="764280"/>
-            <a:ext cx="6704640" cy="3771360"/>
-          </a:xfrm>
-          <a:prstGeom prst="rect">
-            <a:avLst/>
-          </a:prstGeom>
-          <a:ln w="0">
-            <a:noFill/>
-          </a:ln>
-        </p:spPr>
-      </p:sp>
-      <p:sp>
-        <p:nvSpPr>
-          <p:cNvPr id="73" name="PlaceHolder 2"/>
+            <a:ext cx="6704280" cy="3771000"/>
+          </a:xfrm>
+          <a:prstGeom prst="rect">
+            <a:avLst/>
+          </a:prstGeom>
+          <a:ln w="0">
+            <a:noFill/>
+          </a:ln>
+        </p:spPr>
+      </p:sp>
+      <p:sp>
+        <p:nvSpPr>
+          <p:cNvPr id="78" name="PlaceHolder 2"/>
           <p:cNvSpPr>
             <a:spLocks noGrp="1"/>
           </p:cNvSpPr>
@@ -1579,7 +1658,7 @@
         <p:spPr>
           <a:xfrm>
             <a:off x="777240" y="4777560"/>
-            <a:ext cx="6217560" cy="4525920"/>
+            <a:ext cx="6217200" cy="4525560"/>
           </a:xfrm>
           <a:prstGeom prst="rect">
             <a:avLst/>
@@ -1595,7 +1674,13 @@
           </a:bodyPr>
           <a:p>
             <a:pPr marL="216000" indent="-216000">
+              <a:lnSpc>
+                <a:spcPct val="100000"/>
+              </a:lnSpc>
               <a:buNone/>
+              <a:tabLst>
+                <a:tab algn="l" pos="0"/>
+              </a:tabLst>
             </a:pPr>
             <a:r>
               <a:rPr b="0" lang="en-US" sz="2000" spc="-1" strike="noStrike">
@@ -1650,7 +1735,7 @@
         <p:spPr>
           <a:xfrm>
             <a:off x="504000" y="226080"/>
-            <a:ext cx="9070920" cy="945720"/>
+            <a:ext cx="9070560" cy="945360"/>
           </a:xfrm>
           <a:prstGeom prst="rect">
             <a:avLst/>
@@ -1690,7 +1775,7 @@
         <p:spPr>
           <a:xfrm>
             <a:off x="504000" y="1326600"/>
-            <a:ext cx="9070920" cy="3287520"/>
+            <a:ext cx="9070560" cy="3287160"/>
           </a:xfrm>
           <a:prstGeom prst="rect">
             <a:avLst/>
@@ -1754,7 +1839,7 @@
         <p:txBody>
           <a:bodyPr/>
           <a:p>
-            <a:fld id="{A188B478-ADC8-437E-9285-754E74C41B92}" type="slidenum">
+            <a:fld id="{45DC8541-BDEE-4C21-97FB-1CEE1580E605}" type="slidenum">
               <a:t>&lt;#&gt;</a:t>
             </a:fld>
           </a:p>
@@ -1816,7 +1901,7 @@
         <p:spPr>
           <a:xfrm>
             <a:off x="504000" y="226080"/>
-            <a:ext cx="9070920" cy="945720"/>
+            <a:ext cx="9070560" cy="945360"/>
           </a:xfrm>
           <a:prstGeom prst="rect">
             <a:avLst/>
@@ -1856,7 +1941,7 @@
         <p:spPr>
           <a:xfrm>
             <a:off x="504000" y="1326600"/>
-            <a:ext cx="9070920" cy="3287520"/>
+            <a:ext cx="9070560" cy="3287160"/>
           </a:xfrm>
           <a:prstGeom prst="rect">
             <a:avLst/>
@@ -1920,7 +2005,7 @@
         <p:txBody>
           <a:bodyPr/>
           <a:p>
-            <a:fld id="{9F053CC1-7D22-4B0A-A773-69A0F1623EDF}" type="slidenum">
+            <a:fld id="{843911D2-2A86-4479-BD53-327F7041BABB}" type="slidenum">
               <a:t>&lt;#&gt;</a:t>
             </a:fld>
           </a:p>
@@ -1954,7 +2039,7 @@
 
 <file path=ppt/slideLayouts/slideLayout3.xml><?xml version="1.0" encoding="utf-8"?>
 <p:sldLayout xmlns:a="http://schemas.openxmlformats.org/drawingml/2006/main" xmlns:p="http://schemas.openxmlformats.org/presentationml/2006/main" xmlns:r="http://schemas.openxmlformats.org/officeDocument/2006/relationships" xmlns:p14="http://schemas.microsoft.com/office/powerpoint/2010/main" xmlns:p15="http://schemas.microsoft.com/office/powerpoint/2012/main" xmlns:mc="http://schemas.openxmlformats.org/markup-compatibility/2006" type="title" preserve="1">
-  <p:cSld name="Default 1">
+  <p:cSld name="Default 2">
     <p:spTree>
       <p:nvGrpSpPr>
         <p:cNvPr id="1" name=""/>
@@ -1971,7 +2056,7 @@
       </p:grpSpPr>
       <p:sp>
         <p:nvSpPr>
-          <p:cNvPr id="14" name="PlaceHolder 1"/>
+          <p:cNvPr id="19" name="PlaceHolder 1"/>
           <p:cNvSpPr>
             <a:spLocks noGrp="1"/>
           </p:cNvSpPr>
@@ -1982,7 +2067,7 @@
         <p:spPr>
           <a:xfrm>
             <a:off x="504000" y="226080"/>
-            <a:ext cx="9070920" cy="945720"/>
+            <a:ext cx="9070560" cy="945360"/>
           </a:xfrm>
           <a:prstGeom prst="rect">
             <a:avLst/>
@@ -2011,7 +2096,7 @@
       </p:sp>
       <p:sp>
         <p:nvSpPr>
-          <p:cNvPr id="15" name="PlaceHolder 2"/>
+          <p:cNvPr id="20" name="PlaceHolder 2"/>
           <p:cNvSpPr>
             <a:spLocks noGrp="1"/>
           </p:cNvSpPr>
@@ -2022,7 +2107,7 @@
         <p:spPr>
           <a:xfrm>
             <a:off x="504000" y="1326600"/>
-            <a:ext cx="9070920" cy="3287520"/>
+            <a:ext cx="9070560" cy="3287160"/>
           </a:xfrm>
           <a:prstGeom prst="rect">
             <a:avLst/>
@@ -2056,7 +2141,7 @@
             <a:spLocks noGrp="1"/>
           </p:cNvSpPr>
           <p:nvPr>
-            <p:ph type="ftr" idx="4"/>
+            <p:ph type="ftr" idx="7"/>
           </p:nvPr>
         </p:nvSpPr>
         <p:spPr/>
@@ -2076,14 +2161,14 @@
             <a:spLocks noGrp="1"/>
           </p:cNvSpPr>
           <p:nvPr>
-            <p:ph type="sldNum" idx="5"/>
+            <p:ph type="sldNum" idx="8"/>
           </p:nvPr>
         </p:nvSpPr>
         <p:spPr/>
         <p:txBody>
           <a:bodyPr/>
           <a:p>
-            <a:fld id="{28E3D3D7-0305-41F0-A30B-3410F92C7898}" type="slidenum">
+            <a:fld id="{1D1975FC-BD55-42C4-9D4C-25E577564317}" type="slidenum">
               <a:t>&lt;#&gt;</a:t>
             </a:fld>
           </a:p>
@@ -2096,7 +2181,7 @@
             <a:spLocks noGrp="1"/>
           </p:cNvSpPr>
           <p:nvPr>
-            <p:ph type="dt" idx="6"/>
+            <p:ph type="dt" idx="9"/>
           </p:nvPr>
         </p:nvSpPr>
         <p:spPr/>
@@ -2145,7 +2230,7 @@
         <p:spPr>
           <a:xfrm>
             <a:off x="504000" y="226080"/>
-            <a:ext cx="9070920" cy="945720"/>
+            <a:ext cx="9070560" cy="945360"/>
           </a:xfrm>
           <a:prstGeom prst="rect">
             <a:avLst/>
@@ -2194,7 +2279,7 @@
         <p:spPr>
           <a:xfrm>
             <a:off x="504000" y="1326600"/>
-            <a:ext cx="9070920" cy="3287520"/>
+            <a:ext cx="9070560" cy="3287160"/>
           </a:xfrm>
           <a:prstGeom prst="rect">
             <a:avLst/>
@@ -2419,7 +2504,7 @@
         <p:spPr>
           <a:xfrm>
             <a:off x="3447360" y="5165280"/>
-            <a:ext cx="3194280" cy="389880"/>
+            <a:ext cx="3193920" cy="389520"/>
           </a:xfrm>
           <a:prstGeom prst="rect">
             <a:avLst/>
@@ -2491,7 +2576,7 @@
         <p:spPr>
           <a:xfrm>
             <a:off x="7227360" y="5165280"/>
-            <a:ext cx="2347560" cy="389880"/>
+            <a:ext cx="2347200" cy="389520"/>
           </a:xfrm>
           <a:prstGeom prst="rect">
             <a:avLst/>
@@ -2532,7 +2617,7 @@
                 <a:tab algn="l" pos="0"/>
               </a:tabLst>
             </a:pPr>
-            <a:fld id="{29C1C6ED-9917-4412-8C7C-1A6F4D23042F}" type="slidenum">
+            <a:fld id="{27CF3EC4-07A0-4096-9F14-4F7223B5DA5F}" type="slidenum">
               <a:rPr b="0" lang="en-US" sz="1400" spc="-1" strike="noStrike">
                 <a:solidFill>
                   <a:srgbClr val="000000"/>
@@ -2563,7 +2648,7 @@
         <p:spPr>
           <a:xfrm>
             <a:off x="504000" y="5165280"/>
-            <a:ext cx="2347560" cy="389880"/>
+            <a:ext cx="2347200" cy="389520"/>
           </a:xfrm>
           <a:prstGeom prst="rect">
             <a:avLst/>
@@ -2649,7 +2734,7 @@
         <p:spPr>
           <a:xfrm>
             <a:off x="504000" y="226080"/>
-            <a:ext cx="9070920" cy="945720"/>
+            <a:ext cx="9070560" cy="945360"/>
           </a:xfrm>
           <a:prstGeom prst="rect">
             <a:avLst/>
@@ -2692,13 +2777,238 @@
             <a:spLocks noGrp="1"/>
           </p:cNvSpPr>
           <p:nvPr>
+            <p:ph type="body"/>
+          </p:nvPr>
+        </p:nvSpPr>
+        <p:spPr>
+          <a:xfrm>
+            <a:off x="504000" y="1326600"/>
+            <a:ext cx="9070560" cy="3287160"/>
+          </a:xfrm>
+          <a:prstGeom prst="rect">
+            <a:avLst/>
+          </a:prstGeom>
+          <a:noFill/>
+          <a:ln w="0">
+            <a:noFill/>
+          </a:ln>
+        </p:spPr>
+        <p:txBody>
+          <a:bodyPr lIns="0" rIns="0" tIns="0" bIns="0" anchor="t">
+            <a:normAutofit/>
+          </a:bodyPr>
+          <a:p>
+            <a:pPr marL="432000" indent="-324000">
+              <a:spcBef>
+                <a:spcPts val="1417"/>
+              </a:spcBef>
+              <a:buClr>
+                <a:srgbClr val="000000"/>
+              </a:buClr>
+              <a:buSzPct val="45000"/>
+              <a:buFont typeface="Wingdings" charset="2"/>
+              <a:buChar char=""/>
+            </a:pPr>
+            <a:r>
+              <a:rPr b="0" lang="en-US" sz="1800" spc="-1" strike="noStrike">
+                <a:solidFill>
+                  <a:srgbClr val="000000"/>
+                </a:solidFill>
+                <a:latin typeface="Arial"/>
+              </a:rPr>
+              <a:t>Click to edit the outline text format</a:t>
+            </a:r>
+            <a:endParaRPr b="0" lang="en-US" sz="1800" spc="-1" strike="noStrike">
+              <a:solidFill>
+                <a:srgbClr val="000000"/>
+              </a:solidFill>
+              <a:latin typeface="Arial"/>
+            </a:endParaRPr>
+          </a:p>
+          <a:p>
+            <a:pPr lvl="1" marL="864000" indent="-324000">
+              <a:spcBef>
+                <a:spcPts val="1134"/>
+              </a:spcBef>
+              <a:buClr>
+                <a:srgbClr val="000000"/>
+              </a:buClr>
+              <a:buSzPct val="75000"/>
+              <a:buFont typeface="Symbol" charset="2"/>
+              <a:buChar char=""/>
+            </a:pPr>
+            <a:r>
+              <a:rPr b="0" lang="en-US" sz="1800" spc="-1" strike="noStrike">
+                <a:solidFill>
+                  <a:srgbClr val="000000"/>
+                </a:solidFill>
+                <a:latin typeface="Arial"/>
+              </a:rPr>
+              <a:t>Second Outline Level</a:t>
+            </a:r>
+            <a:endParaRPr b="0" lang="en-US" sz="1800" spc="-1" strike="noStrike">
+              <a:solidFill>
+                <a:srgbClr val="000000"/>
+              </a:solidFill>
+              <a:latin typeface="Arial"/>
+            </a:endParaRPr>
+          </a:p>
+          <a:p>
+            <a:pPr lvl="2" marL="1296000" indent="-288000">
+              <a:spcBef>
+                <a:spcPts val="850"/>
+              </a:spcBef>
+              <a:buClr>
+                <a:srgbClr val="000000"/>
+              </a:buClr>
+              <a:buSzPct val="45000"/>
+              <a:buFont typeface="Wingdings" charset="2"/>
+              <a:buChar char=""/>
+            </a:pPr>
+            <a:r>
+              <a:rPr b="0" lang="en-US" sz="1800" spc="-1" strike="noStrike">
+                <a:solidFill>
+                  <a:srgbClr val="000000"/>
+                </a:solidFill>
+                <a:latin typeface="Arial"/>
+              </a:rPr>
+              <a:t>Third Outline Level</a:t>
+            </a:r>
+            <a:endParaRPr b="0" lang="en-US" sz="1800" spc="-1" strike="noStrike">
+              <a:solidFill>
+                <a:srgbClr val="000000"/>
+              </a:solidFill>
+              <a:latin typeface="Arial"/>
+            </a:endParaRPr>
+          </a:p>
+          <a:p>
+            <a:pPr lvl="3" marL="1728000" indent="-216000">
+              <a:spcBef>
+                <a:spcPts val="567"/>
+              </a:spcBef>
+              <a:buClr>
+                <a:srgbClr val="000000"/>
+              </a:buClr>
+              <a:buSzPct val="75000"/>
+              <a:buFont typeface="Symbol" charset="2"/>
+              <a:buChar char=""/>
+            </a:pPr>
+            <a:r>
+              <a:rPr b="0" lang="en-US" sz="1800" spc="-1" strike="noStrike">
+                <a:solidFill>
+                  <a:srgbClr val="000000"/>
+                </a:solidFill>
+                <a:latin typeface="Arial"/>
+              </a:rPr>
+              <a:t>Fourth Outline Level</a:t>
+            </a:r>
+            <a:endParaRPr b="0" lang="en-US" sz="1800" spc="-1" strike="noStrike">
+              <a:solidFill>
+                <a:srgbClr val="000000"/>
+              </a:solidFill>
+              <a:latin typeface="Arial"/>
+            </a:endParaRPr>
+          </a:p>
+          <a:p>
+            <a:pPr lvl="4" marL="2160000" indent="-216000">
+              <a:spcBef>
+                <a:spcPts val="283"/>
+              </a:spcBef>
+              <a:buClr>
+                <a:srgbClr val="000000"/>
+              </a:buClr>
+              <a:buSzPct val="45000"/>
+              <a:buFont typeface="Wingdings" charset="2"/>
+              <a:buChar char=""/>
+            </a:pPr>
+            <a:r>
+              <a:rPr b="0" lang="en-US" sz="1800" spc="-1" strike="noStrike">
+                <a:solidFill>
+                  <a:srgbClr val="000000"/>
+                </a:solidFill>
+                <a:latin typeface="Arial"/>
+              </a:rPr>
+              <a:t>Fifth Outline Level</a:t>
+            </a:r>
+            <a:endParaRPr b="0" lang="en-US" sz="1800" spc="-1" strike="noStrike">
+              <a:solidFill>
+                <a:srgbClr val="000000"/>
+              </a:solidFill>
+              <a:latin typeface="Arial"/>
+            </a:endParaRPr>
+          </a:p>
+          <a:p>
+            <a:pPr lvl="5" marL="2592000" indent="-216000">
+              <a:spcBef>
+                <a:spcPts val="283"/>
+              </a:spcBef>
+              <a:buClr>
+                <a:srgbClr val="000000"/>
+              </a:buClr>
+              <a:buSzPct val="45000"/>
+              <a:buFont typeface="Wingdings" charset="2"/>
+              <a:buChar char=""/>
+            </a:pPr>
+            <a:r>
+              <a:rPr b="0" lang="en-US" sz="1800" spc="-1" strike="noStrike">
+                <a:solidFill>
+                  <a:srgbClr val="000000"/>
+                </a:solidFill>
+                <a:latin typeface="Arial"/>
+              </a:rPr>
+              <a:t>Sixth Outline Level</a:t>
+            </a:r>
+            <a:endParaRPr b="0" lang="en-US" sz="1800" spc="-1" strike="noStrike">
+              <a:solidFill>
+                <a:srgbClr val="000000"/>
+              </a:solidFill>
+              <a:latin typeface="Arial"/>
+            </a:endParaRPr>
+          </a:p>
+          <a:p>
+            <a:pPr lvl="6" marL="3024000" indent="-216000">
+              <a:spcBef>
+                <a:spcPts val="283"/>
+              </a:spcBef>
+              <a:buClr>
+                <a:srgbClr val="000000"/>
+              </a:buClr>
+              <a:buSzPct val="45000"/>
+              <a:buFont typeface="Wingdings" charset="2"/>
+              <a:buChar char=""/>
+            </a:pPr>
+            <a:r>
+              <a:rPr b="0" lang="en-US" sz="1800" spc="-1" strike="noStrike">
+                <a:solidFill>
+                  <a:srgbClr val="000000"/>
+                </a:solidFill>
+                <a:latin typeface="Arial"/>
+              </a:rPr>
+              <a:t>Seventh Outline Level</a:t>
+            </a:r>
+            <a:endParaRPr b="0" lang="en-US" sz="1800" spc="-1" strike="noStrike">
+              <a:solidFill>
+                <a:srgbClr val="000000"/>
+              </a:solidFill>
+              <a:latin typeface="Arial"/>
+            </a:endParaRPr>
+          </a:p>
+        </p:txBody>
+      </p:sp>
+      <p:sp>
+        <p:nvSpPr>
+          <p:cNvPr id="9" name="PlaceHolder 3"/>
+          <p:cNvSpPr>
+            <a:spLocks noGrp="1"/>
+          </p:cNvSpPr>
+          <p:nvPr>
             <p:ph type="ftr" idx="4"/>
           </p:nvPr>
         </p:nvSpPr>
         <p:spPr>
           <a:xfrm>
             <a:off x="3447360" y="5165280"/>
-            <a:ext cx="3194280" cy="389880"/>
+            <a:ext cx="3193920" cy="389520"/>
           </a:xfrm>
           <a:prstGeom prst="rect">
             <a:avLst/>
@@ -2759,7 +3069,7 @@
       </p:sp>
       <p:sp>
         <p:nvSpPr>
-          <p:cNvPr id="9" name="PlaceHolder 3"/>
+          <p:cNvPr id="10" name="PlaceHolder 4"/>
           <p:cNvSpPr>
             <a:spLocks noGrp="1"/>
           </p:cNvSpPr>
@@ -2770,7 +3080,7 @@
         <p:spPr>
           <a:xfrm>
             <a:off x="7227360" y="5165280"/>
-            <a:ext cx="2347560" cy="389880"/>
+            <a:ext cx="2347200" cy="389520"/>
           </a:xfrm>
           <a:prstGeom prst="rect">
             <a:avLst/>
@@ -2811,7 +3121,7 @@
                 <a:tab algn="l" pos="0"/>
               </a:tabLst>
             </a:pPr>
-            <a:fld id="{1F3F2CAF-7CD7-4E84-A3EC-2FF504C7BEB3}" type="slidenum">
+            <a:fld id="{871708BB-BA06-48A8-ACAA-36C8ACFD0931}" type="slidenum">
               <a:rPr b="0" lang="en-US" sz="1400" spc="-1" strike="noStrike">
                 <a:solidFill>
                   <a:srgbClr val="000000"/>
@@ -2831,7 +3141,7 @@
       </p:sp>
       <p:sp>
         <p:nvSpPr>
-          <p:cNvPr id="10" name="PlaceHolder 4"/>
+          <p:cNvPr id="11" name="PlaceHolder 5"/>
           <p:cNvSpPr>
             <a:spLocks noGrp="1"/>
           </p:cNvSpPr>
@@ -2842,7 +3152,7 @@
         <p:spPr>
           <a:xfrm>
             <a:off x="504000" y="5165280"/>
-            <a:ext cx="2347560" cy="389880"/>
+            <a:ext cx="2347200" cy="389520"/>
           </a:xfrm>
           <a:prstGeom prst="rect">
             <a:avLst/>
@@ -2889,237 +3199,515 @@
           </a:p>
         </p:txBody>
       </p:sp>
-      <p:sp>
-        <p:nvSpPr>
-          <p:cNvPr id="11" name="PlaceHolder 5"/>
-          <p:cNvSpPr>
-            <a:spLocks noGrp="1"/>
-          </p:cNvSpPr>
-          <p:nvPr>
-            <p:ph type="body"/>
-          </p:nvPr>
-        </p:nvSpPr>
-        <p:spPr>
-          <a:xfrm>
-            <a:off x="504000" y="1326600"/>
-            <a:ext cx="9072000" cy="3288600"/>
-          </a:xfrm>
-          <a:prstGeom prst="rect">
-            <a:avLst/>
-          </a:prstGeom>
-          <a:noFill/>
-          <a:ln w="0">
-            <a:noFill/>
-          </a:ln>
-        </p:spPr>
-        <p:txBody>
-          <a:bodyPr lIns="0" rIns="0" tIns="0" bIns="0" anchor="t">
-            <a:normAutofit/>
-          </a:bodyPr>
-          <a:p>
-            <a:pPr marL="432000" indent="-324000">
-              <a:spcBef>
-                <a:spcPts val="1417"/>
-              </a:spcBef>
-              <a:buClr>
-                <a:srgbClr val="000000"/>
-              </a:buClr>
-              <a:buSzPct val="45000"/>
-              <a:buFont typeface="Wingdings" charset="2"/>
-              <a:buChar char=""/>
-            </a:pPr>
-            <a:r>
-              <a:rPr b="0" lang="en-US" sz="3200" spc="-1" strike="noStrike">
-                <a:solidFill>
-                  <a:srgbClr val="000000"/>
-                </a:solidFill>
-                <a:latin typeface="Arial"/>
-              </a:rPr>
-              <a:t>Click to edit the outline text format</a:t>
-            </a:r>
-            <a:endParaRPr b="0" lang="en-US" sz="3200" spc="-1" strike="noStrike">
-              <a:solidFill>
-                <a:srgbClr val="000000"/>
-              </a:solidFill>
-              <a:latin typeface="Arial"/>
-            </a:endParaRPr>
-          </a:p>
-          <a:p>
-            <a:pPr lvl="1" marL="864000" indent="-324000">
-              <a:spcBef>
-                <a:spcPts val="1134"/>
-              </a:spcBef>
-              <a:buClr>
-                <a:srgbClr val="000000"/>
-              </a:buClr>
-              <a:buSzPct val="75000"/>
-              <a:buFont typeface="Symbol" charset="2"/>
-              <a:buChar char=""/>
-            </a:pPr>
-            <a:r>
-              <a:rPr b="0" lang="en-US" sz="2800" spc="-1" strike="noStrike">
-                <a:solidFill>
-                  <a:srgbClr val="000000"/>
-                </a:solidFill>
-                <a:latin typeface="Arial"/>
-              </a:rPr>
-              <a:t>Second Outline Level</a:t>
-            </a:r>
-            <a:endParaRPr b="0" lang="en-US" sz="2800" spc="-1" strike="noStrike">
-              <a:solidFill>
-                <a:srgbClr val="000000"/>
-              </a:solidFill>
-              <a:latin typeface="Arial"/>
-            </a:endParaRPr>
-          </a:p>
-          <a:p>
-            <a:pPr lvl="2" marL="1296000" indent="-288000">
-              <a:spcBef>
-                <a:spcPts val="850"/>
-              </a:spcBef>
-              <a:buClr>
-                <a:srgbClr val="000000"/>
-              </a:buClr>
-              <a:buSzPct val="45000"/>
-              <a:buFont typeface="Wingdings" charset="2"/>
-              <a:buChar char=""/>
-            </a:pPr>
-            <a:r>
-              <a:rPr b="0" lang="en-US" sz="2400" spc="-1" strike="noStrike">
-                <a:solidFill>
-                  <a:srgbClr val="000000"/>
-                </a:solidFill>
-                <a:latin typeface="Arial"/>
-              </a:rPr>
-              <a:t>Third Outline Level</a:t>
-            </a:r>
-            <a:endParaRPr b="0" lang="en-US" sz="2400" spc="-1" strike="noStrike">
-              <a:solidFill>
-                <a:srgbClr val="000000"/>
-              </a:solidFill>
-              <a:latin typeface="Arial"/>
-            </a:endParaRPr>
-          </a:p>
-          <a:p>
-            <a:pPr lvl="3" marL="1728000" indent="-216000">
-              <a:spcBef>
-                <a:spcPts val="567"/>
-              </a:spcBef>
-              <a:buClr>
-                <a:srgbClr val="000000"/>
-              </a:buClr>
-              <a:buSzPct val="75000"/>
-              <a:buFont typeface="Symbol" charset="2"/>
-              <a:buChar char=""/>
-            </a:pPr>
-            <a:r>
-              <a:rPr b="0" lang="en-US" sz="2000" spc="-1" strike="noStrike">
-                <a:solidFill>
-                  <a:srgbClr val="000000"/>
-                </a:solidFill>
-                <a:latin typeface="Arial"/>
-              </a:rPr>
-              <a:t>Fourth Outline Level</a:t>
-            </a:r>
-            <a:endParaRPr b="0" lang="en-US" sz="2000" spc="-1" strike="noStrike">
-              <a:solidFill>
-                <a:srgbClr val="000000"/>
-              </a:solidFill>
-              <a:latin typeface="Arial"/>
-            </a:endParaRPr>
-          </a:p>
-          <a:p>
-            <a:pPr lvl="4" marL="2160000" indent="-216000">
-              <a:spcBef>
-                <a:spcPts val="283"/>
-              </a:spcBef>
-              <a:buClr>
-                <a:srgbClr val="000000"/>
-              </a:buClr>
-              <a:buSzPct val="45000"/>
-              <a:buFont typeface="Wingdings" charset="2"/>
-              <a:buChar char=""/>
-            </a:pPr>
-            <a:r>
-              <a:rPr b="0" lang="en-US" sz="2000" spc="-1" strike="noStrike">
-                <a:solidFill>
-                  <a:srgbClr val="000000"/>
-                </a:solidFill>
-                <a:latin typeface="Arial"/>
-              </a:rPr>
-              <a:t>Fifth Outline Level</a:t>
-            </a:r>
-            <a:endParaRPr b="0" lang="en-US" sz="2000" spc="-1" strike="noStrike">
-              <a:solidFill>
-                <a:srgbClr val="000000"/>
-              </a:solidFill>
-              <a:latin typeface="Arial"/>
-            </a:endParaRPr>
-          </a:p>
-          <a:p>
-            <a:pPr lvl="5" marL="2592000" indent="-216000">
-              <a:spcBef>
-                <a:spcPts val="283"/>
-              </a:spcBef>
-              <a:buClr>
-                <a:srgbClr val="000000"/>
-              </a:buClr>
-              <a:buSzPct val="45000"/>
-              <a:buFont typeface="Wingdings" charset="2"/>
-              <a:buChar char=""/>
-            </a:pPr>
-            <a:r>
-              <a:rPr b="0" lang="en-US" sz="2000" spc="-1" strike="noStrike">
-                <a:solidFill>
-                  <a:srgbClr val="000000"/>
-                </a:solidFill>
-                <a:latin typeface="Arial"/>
-              </a:rPr>
-              <a:t>Sixth Outline Level</a:t>
-            </a:r>
-            <a:endParaRPr b="0" lang="en-US" sz="2000" spc="-1" strike="noStrike">
-              <a:solidFill>
-                <a:srgbClr val="000000"/>
-              </a:solidFill>
-              <a:latin typeface="Arial"/>
-            </a:endParaRPr>
-          </a:p>
-          <a:p>
-            <a:pPr lvl="6" marL="3024000" indent="-216000">
-              <a:spcBef>
-                <a:spcPts val="283"/>
-              </a:spcBef>
-              <a:buClr>
-                <a:srgbClr val="000000"/>
-              </a:buClr>
-              <a:buSzPct val="45000"/>
-              <a:buFont typeface="Wingdings" charset="2"/>
-              <a:buChar char=""/>
-            </a:pPr>
-            <a:r>
-              <a:rPr b="0" lang="en-US" sz="2000" spc="-1" strike="noStrike">
-                <a:solidFill>
-                  <a:srgbClr val="000000"/>
-                </a:solidFill>
-                <a:latin typeface="Arial"/>
-              </a:rPr>
-              <a:t>Seventh Outline Level</a:t>
-            </a:r>
-            <a:endParaRPr b="0" lang="en-US" sz="2000" spc="-1" strike="noStrike">
-              <a:solidFill>
-                <a:srgbClr val="000000"/>
-              </a:solidFill>
-              <a:latin typeface="Arial"/>
-            </a:endParaRPr>
-          </a:p>
-        </p:txBody>
-      </p:sp>
     </p:spTree>
   </p:cSld>
   <p:clrMap bg1="lt1" bg2="lt2" tx1="dk1" tx2="dk2" accent1="accent1" accent2="accent2" accent3="accent3" accent4="accent4" accent5="accent5" accent6="accent6" hlink="hlink" folHlink="folHlink"/>
   <p:sldLayoutIdLst>
     <p:sldLayoutId id="2147483651" r:id="rId2"/>
-    <p:sldLayoutId id="2147483652" r:id="rId3"/>
+  </p:sldLayoutIdLst>
+</p:sldMaster>
+</file>
+
+<file path=ppt/slideMasters/slideMaster3.xml><?xml version="1.0" encoding="utf-8"?>
+<p:sldMaster xmlns:a="http://schemas.openxmlformats.org/drawingml/2006/main" xmlns:p="http://schemas.openxmlformats.org/presentationml/2006/main" xmlns:r="http://schemas.openxmlformats.org/officeDocument/2006/relationships" xmlns:p14="http://schemas.microsoft.com/office/powerpoint/2010/main" xmlns:p15="http://schemas.microsoft.com/office/powerpoint/2012/main" xmlns:mc="http://schemas.openxmlformats.org/markup-compatibility/2006">
+  <p:cSld>
+    <p:spTree>
+      <p:nvGrpSpPr>
+        <p:cNvPr id="1" name=""/>
+        <p:cNvGrpSpPr/>
+        <p:nvPr/>
+      </p:nvGrpSpPr>
+      <p:grpSpPr>
+        <a:xfrm>
+          <a:off x="0" y="0"/>
+          <a:ext cx="0" cy="0"/>
+          <a:chOff x="0" y="0"/>
+          <a:chExt cx="0" cy="0"/>
+        </a:xfrm>
+      </p:grpSpPr>
+      <p:sp>
+        <p:nvSpPr>
+          <p:cNvPr id="14" name="PlaceHolder 1"/>
+          <p:cNvSpPr>
+            <a:spLocks noGrp="1"/>
+          </p:cNvSpPr>
+          <p:nvPr>
+            <p:ph type="title"/>
+          </p:nvPr>
+        </p:nvSpPr>
+        <p:spPr>
+          <a:xfrm>
+            <a:off x="504000" y="226080"/>
+            <a:ext cx="9070560" cy="945360"/>
+          </a:xfrm>
+          <a:prstGeom prst="rect">
+            <a:avLst/>
+          </a:prstGeom>
+          <a:noFill/>
+          <a:ln w="0">
+            <a:noFill/>
+          </a:ln>
+        </p:spPr>
+        <p:txBody>
+          <a:bodyPr lIns="0" rIns="0" tIns="0" bIns="0" anchor="ctr">
+            <a:noAutofit/>
+          </a:bodyPr>
+          <a:p>
+            <a:pPr indent="0">
+              <a:buNone/>
+            </a:pPr>
+            <a:r>
+              <a:rPr b="0" lang="en-US" sz="1800" spc="-1" strike="noStrike">
+                <a:solidFill>
+                  <a:srgbClr val="000000"/>
+                </a:solidFill>
+                <a:latin typeface="Arial"/>
+              </a:rPr>
+              <a:t>Click to edit the title text format</a:t>
+            </a:r>
+            <a:endParaRPr b="0" lang="en-US" sz="1800" spc="-1" strike="noStrike">
+              <a:solidFill>
+                <a:srgbClr val="000000"/>
+              </a:solidFill>
+              <a:latin typeface="Arial"/>
+            </a:endParaRPr>
+          </a:p>
+        </p:txBody>
+      </p:sp>
+      <p:sp>
+        <p:nvSpPr>
+          <p:cNvPr id="15" name="PlaceHolder 2"/>
+          <p:cNvSpPr>
+            <a:spLocks noGrp="1"/>
+          </p:cNvSpPr>
+          <p:nvPr>
+            <p:ph type="ftr" idx="7"/>
+          </p:nvPr>
+        </p:nvSpPr>
+        <p:spPr>
+          <a:xfrm>
+            <a:off x="3447360" y="5165280"/>
+            <a:ext cx="3193920" cy="389520"/>
+          </a:xfrm>
+          <a:prstGeom prst="rect">
+            <a:avLst/>
+          </a:prstGeom>
+          <a:noFill/>
+          <a:ln w="0">
+            <a:noFill/>
+          </a:ln>
+        </p:spPr>
+        <p:txBody>
+          <a:bodyPr lIns="0" rIns="0" tIns="0" bIns="0" anchor="t">
+            <a:noAutofit/>
+          </a:bodyPr>
+          <a:lstStyle>
+            <a:lvl1pPr indent="0" algn="ctr">
+              <a:lnSpc>
+                <a:spcPct val="100000"/>
+              </a:lnSpc>
+              <a:buNone/>
+              <a:tabLst>
+                <a:tab algn="l" pos="0"/>
+              </a:tabLst>
+              <a:defRPr b="0" lang="en-US" sz="1400" spc="-1" strike="noStrike">
+                <a:solidFill>
+                  <a:srgbClr val="000000"/>
+                </a:solidFill>
+                <a:latin typeface="Times New Roman"/>
+              </a:defRPr>
+            </a:lvl1pPr>
+          </a:lstStyle>
+          <a:p>
+            <a:pPr indent="0" algn="ctr">
+              <a:lnSpc>
+                <a:spcPct val="100000"/>
+              </a:lnSpc>
+              <a:buNone/>
+              <a:tabLst>
+                <a:tab algn="l" pos="0"/>
+              </a:tabLst>
+            </a:pPr>
+            <a:r>
+              <a:rPr b="0" lang="en-US" sz="1400" spc="-1" strike="noStrike">
+                <a:solidFill>
+                  <a:srgbClr val="000000"/>
+                </a:solidFill>
+                <a:latin typeface="Times New Roman"/>
+              </a:rPr>
+              <a:t>&lt;footer&gt;</a:t>
+            </a:r>
+            <a:endParaRPr b="0" lang="en-US" sz="1400" spc="-1" strike="noStrike">
+              <a:solidFill>
+                <a:srgbClr val="000000"/>
+              </a:solidFill>
+              <a:latin typeface="Times New Roman"/>
+            </a:endParaRPr>
+          </a:p>
+        </p:txBody>
+      </p:sp>
+      <p:sp>
+        <p:nvSpPr>
+          <p:cNvPr id="16" name="PlaceHolder 3"/>
+          <p:cNvSpPr>
+            <a:spLocks noGrp="1"/>
+          </p:cNvSpPr>
+          <p:nvPr>
+            <p:ph type="sldNum" idx="8"/>
+          </p:nvPr>
+        </p:nvSpPr>
+        <p:spPr>
+          <a:xfrm>
+            <a:off x="7227360" y="5165280"/>
+            <a:ext cx="2347200" cy="389520"/>
+          </a:xfrm>
+          <a:prstGeom prst="rect">
+            <a:avLst/>
+          </a:prstGeom>
+          <a:noFill/>
+          <a:ln w="0">
+            <a:noFill/>
+          </a:ln>
+        </p:spPr>
+        <p:txBody>
+          <a:bodyPr lIns="0" rIns="0" tIns="0" bIns="0" anchor="t">
+            <a:noAutofit/>
+          </a:bodyPr>
+          <a:lstStyle>
+            <a:lvl1pPr indent="0" algn="r">
+              <a:lnSpc>
+                <a:spcPct val="100000"/>
+              </a:lnSpc>
+              <a:buNone/>
+              <a:tabLst>
+                <a:tab algn="l" pos="0"/>
+              </a:tabLst>
+              <a:defRPr b="0" lang="en-US" sz="1400" spc="-1" strike="noStrike">
+                <a:solidFill>
+                  <a:srgbClr val="000000"/>
+                </a:solidFill>
+                <a:latin typeface="Times New Roman"/>
+              </a:defRPr>
+            </a:lvl1pPr>
+          </a:lstStyle>
+          <a:p>
+            <a:pPr indent="0" algn="r">
+              <a:lnSpc>
+                <a:spcPct val="100000"/>
+              </a:lnSpc>
+              <a:buNone/>
+              <a:tabLst>
+                <a:tab algn="l" pos="0"/>
+              </a:tabLst>
+            </a:pPr>
+            <a:fld id="{EEEC066A-0C5B-491D-8D8D-47930BF9E4FA}" type="slidenum">
+              <a:rPr b="0" lang="en-US" sz="1400" spc="-1" strike="noStrike">
+                <a:solidFill>
+                  <a:srgbClr val="000000"/>
+                </a:solidFill>
+                <a:latin typeface="Times New Roman"/>
+              </a:rPr>
+              <a:t>&lt;number&gt;</a:t>
+            </a:fld>
+            <a:endParaRPr b="0" lang="en-US" sz="1400" spc="-1" strike="noStrike">
+              <a:solidFill>
+                <a:srgbClr val="000000"/>
+              </a:solidFill>
+              <a:latin typeface="Times New Roman"/>
+            </a:endParaRPr>
+          </a:p>
+        </p:txBody>
+      </p:sp>
+      <p:sp>
+        <p:nvSpPr>
+          <p:cNvPr id="17" name="PlaceHolder 4"/>
+          <p:cNvSpPr>
+            <a:spLocks noGrp="1"/>
+          </p:cNvSpPr>
+          <p:nvPr>
+            <p:ph type="dt" idx="9"/>
+          </p:nvPr>
+        </p:nvSpPr>
+        <p:spPr>
+          <a:xfrm>
+            <a:off x="504000" y="5165280"/>
+            <a:ext cx="2347200" cy="389520"/>
+          </a:xfrm>
+          <a:prstGeom prst="rect">
+            <a:avLst/>
+          </a:prstGeom>
+          <a:noFill/>
+          <a:ln w="0">
+            <a:noFill/>
+          </a:ln>
+        </p:spPr>
+        <p:txBody>
+          <a:bodyPr lIns="0" rIns="0" tIns="0" bIns="0" anchor="t">
+            <a:noAutofit/>
+          </a:bodyPr>
+          <a:lstStyle>
+            <a:lvl1pPr indent="0">
+              <a:buNone/>
+              <a:defRPr b="0" lang="en-US" sz="1400" spc="-1" strike="noStrike">
+                <a:solidFill>
+                  <a:srgbClr val="000000"/>
+                </a:solidFill>
+                <a:latin typeface="Times New Roman"/>
+              </a:defRPr>
+            </a:lvl1pPr>
+          </a:lstStyle>
+          <a:p>
+            <a:pPr indent="0">
+              <a:buNone/>
+            </a:pPr>
+            <a:r>
+              <a:rPr b="0" lang="en-US" sz="1400" spc="-1" strike="noStrike">
+                <a:solidFill>
+                  <a:srgbClr val="000000"/>
+                </a:solidFill>
+                <a:latin typeface="Times New Roman"/>
+              </a:rPr>
+              <a:t>&lt;date/time&gt;</a:t>
+            </a:r>
+            <a:endParaRPr b="0" lang="en-US" sz="1400" spc="-1" strike="noStrike">
+              <a:solidFill>
+                <a:srgbClr val="000000"/>
+              </a:solidFill>
+              <a:latin typeface="Times New Roman"/>
+            </a:endParaRPr>
+          </a:p>
+        </p:txBody>
+      </p:sp>
+      <p:sp>
+        <p:nvSpPr>
+          <p:cNvPr id="18" name="PlaceHolder 5"/>
+          <p:cNvSpPr>
+            <a:spLocks noGrp="1"/>
+          </p:cNvSpPr>
+          <p:nvPr>
+            <p:ph type="body"/>
+          </p:nvPr>
+        </p:nvSpPr>
+        <p:spPr>
+          <a:xfrm>
+            <a:off x="504000" y="1326600"/>
+            <a:ext cx="9072000" cy="3288600"/>
+          </a:xfrm>
+          <a:prstGeom prst="rect">
+            <a:avLst/>
+          </a:prstGeom>
+          <a:noFill/>
+          <a:ln w="0">
+            <a:noFill/>
+          </a:ln>
+        </p:spPr>
+        <p:txBody>
+          <a:bodyPr lIns="0" rIns="0" tIns="0" bIns="0" anchor="t">
+            <a:normAutofit/>
+          </a:bodyPr>
+          <a:p>
+            <a:pPr marL="432000" indent="-324000">
+              <a:spcBef>
+                <a:spcPts val="1417"/>
+              </a:spcBef>
+              <a:buClr>
+                <a:srgbClr val="000000"/>
+              </a:buClr>
+              <a:buSzPct val="45000"/>
+              <a:buFont typeface="Wingdings" charset="2"/>
+              <a:buChar char=""/>
+            </a:pPr>
+            <a:r>
+              <a:rPr b="0" lang="en-US" sz="3200" spc="-1" strike="noStrike">
+                <a:solidFill>
+                  <a:srgbClr val="000000"/>
+                </a:solidFill>
+                <a:latin typeface="Arial"/>
+              </a:rPr>
+              <a:t>Click to edit the outline text format</a:t>
+            </a:r>
+            <a:endParaRPr b="0" lang="en-US" sz="3200" spc="-1" strike="noStrike">
+              <a:solidFill>
+                <a:srgbClr val="000000"/>
+              </a:solidFill>
+              <a:latin typeface="Arial"/>
+            </a:endParaRPr>
+          </a:p>
+          <a:p>
+            <a:pPr lvl="1" marL="864000" indent="-324000">
+              <a:spcBef>
+                <a:spcPts val="1134"/>
+              </a:spcBef>
+              <a:buClr>
+                <a:srgbClr val="000000"/>
+              </a:buClr>
+              <a:buSzPct val="75000"/>
+              <a:buFont typeface="Symbol" charset="2"/>
+              <a:buChar char=""/>
+            </a:pPr>
+            <a:r>
+              <a:rPr b="0" lang="en-US" sz="2800" spc="-1" strike="noStrike">
+                <a:solidFill>
+                  <a:srgbClr val="000000"/>
+                </a:solidFill>
+                <a:latin typeface="Arial"/>
+              </a:rPr>
+              <a:t>Second Outline Level</a:t>
+            </a:r>
+            <a:endParaRPr b="0" lang="en-US" sz="2800" spc="-1" strike="noStrike">
+              <a:solidFill>
+                <a:srgbClr val="000000"/>
+              </a:solidFill>
+              <a:latin typeface="Arial"/>
+            </a:endParaRPr>
+          </a:p>
+          <a:p>
+            <a:pPr lvl="2" marL="1296000" indent="-288000">
+              <a:spcBef>
+                <a:spcPts val="850"/>
+              </a:spcBef>
+              <a:buClr>
+                <a:srgbClr val="000000"/>
+              </a:buClr>
+              <a:buSzPct val="45000"/>
+              <a:buFont typeface="Wingdings" charset="2"/>
+              <a:buChar char=""/>
+            </a:pPr>
+            <a:r>
+              <a:rPr b="0" lang="en-US" sz="2400" spc="-1" strike="noStrike">
+                <a:solidFill>
+                  <a:srgbClr val="000000"/>
+                </a:solidFill>
+                <a:latin typeface="Arial"/>
+              </a:rPr>
+              <a:t>Third Outline Level</a:t>
+            </a:r>
+            <a:endParaRPr b="0" lang="en-US" sz="2400" spc="-1" strike="noStrike">
+              <a:solidFill>
+                <a:srgbClr val="000000"/>
+              </a:solidFill>
+              <a:latin typeface="Arial"/>
+            </a:endParaRPr>
+          </a:p>
+          <a:p>
+            <a:pPr lvl="3" marL="1728000" indent="-216000">
+              <a:spcBef>
+                <a:spcPts val="567"/>
+              </a:spcBef>
+              <a:buClr>
+                <a:srgbClr val="000000"/>
+              </a:buClr>
+              <a:buSzPct val="75000"/>
+              <a:buFont typeface="Symbol" charset="2"/>
+              <a:buChar char=""/>
+            </a:pPr>
+            <a:r>
+              <a:rPr b="0" lang="en-US" sz="2000" spc="-1" strike="noStrike">
+                <a:solidFill>
+                  <a:srgbClr val="000000"/>
+                </a:solidFill>
+                <a:latin typeface="Arial"/>
+              </a:rPr>
+              <a:t>Fourth Outline Level</a:t>
+            </a:r>
+            <a:endParaRPr b="0" lang="en-US" sz="2000" spc="-1" strike="noStrike">
+              <a:solidFill>
+                <a:srgbClr val="000000"/>
+              </a:solidFill>
+              <a:latin typeface="Arial"/>
+            </a:endParaRPr>
+          </a:p>
+          <a:p>
+            <a:pPr lvl="4" marL="2160000" indent="-216000">
+              <a:spcBef>
+                <a:spcPts val="283"/>
+              </a:spcBef>
+              <a:buClr>
+                <a:srgbClr val="000000"/>
+              </a:buClr>
+              <a:buSzPct val="45000"/>
+              <a:buFont typeface="Wingdings" charset="2"/>
+              <a:buChar char=""/>
+            </a:pPr>
+            <a:r>
+              <a:rPr b="0" lang="en-US" sz="2000" spc="-1" strike="noStrike">
+                <a:solidFill>
+                  <a:srgbClr val="000000"/>
+                </a:solidFill>
+                <a:latin typeface="Arial"/>
+              </a:rPr>
+              <a:t>Fifth Outline Level</a:t>
+            </a:r>
+            <a:endParaRPr b="0" lang="en-US" sz="2000" spc="-1" strike="noStrike">
+              <a:solidFill>
+                <a:srgbClr val="000000"/>
+              </a:solidFill>
+              <a:latin typeface="Arial"/>
+            </a:endParaRPr>
+          </a:p>
+          <a:p>
+            <a:pPr lvl="5" marL="2592000" indent="-216000">
+              <a:spcBef>
+                <a:spcPts val="283"/>
+              </a:spcBef>
+              <a:buClr>
+                <a:srgbClr val="000000"/>
+              </a:buClr>
+              <a:buSzPct val="45000"/>
+              <a:buFont typeface="Wingdings" charset="2"/>
+              <a:buChar char=""/>
+            </a:pPr>
+            <a:r>
+              <a:rPr b="0" lang="en-US" sz="2000" spc="-1" strike="noStrike">
+                <a:solidFill>
+                  <a:srgbClr val="000000"/>
+                </a:solidFill>
+                <a:latin typeface="Arial"/>
+              </a:rPr>
+              <a:t>Sixth Outline Level</a:t>
+            </a:r>
+            <a:endParaRPr b="0" lang="en-US" sz="2000" spc="-1" strike="noStrike">
+              <a:solidFill>
+                <a:srgbClr val="000000"/>
+              </a:solidFill>
+              <a:latin typeface="Arial"/>
+            </a:endParaRPr>
+          </a:p>
+          <a:p>
+            <a:pPr lvl="6" marL="3024000" indent="-216000">
+              <a:spcBef>
+                <a:spcPts val="283"/>
+              </a:spcBef>
+              <a:buClr>
+                <a:srgbClr val="000000"/>
+              </a:buClr>
+              <a:buSzPct val="45000"/>
+              <a:buFont typeface="Wingdings" charset="2"/>
+              <a:buChar char=""/>
+            </a:pPr>
+            <a:r>
+              <a:rPr b="0" lang="en-US" sz="2000" spc="-1" strike="noStrike">
+                <a:solidFill>
+                  <a:srgbClr val="000000"/>
+                </a:solidFill>
+                <a:latin typeface="Arial"/>
+              </a:rPr>
+              <a:t>Seventh Outline Level</a:t>
+            </a:r>
+            <a:endParaRPr b="0" lang="en-US" sz="2000" spc="-1" strike="noStrike">
+              <a:solidFill>
+                <a:srgbClr val="000000"/>
+              </a:solidFill>
+              <a:latin typeface="Arial"/>
+            </a:endParaRPr>
+          </a:p>
+        </p:txBody>
+      </p:sp>
+    </p:spTree>
+  </p:cSld>
+  <p:clrMap bg1="lt1" bg2="lt2" tx1="dk1" tx2="dk2" accent1="accent1" accent2="accent2" accent3="accent3" accent4="accent4" accent5="accent5" accent6="accent6" hlink="hlink" folHlink="folHlink"/>
+  <p:sldLayoutIdLst>
+    <p:sldLayoutId id="2147483653" r:id="rId2"/>
   </p:sldLayoutIdLst>
 </p:sldMaster>
 </file>
@@ -3143,7 +3731,7 @@
       </p:grpSpPr>
       <p:sp>
         <p:nvSpPr>
-          <p:cNvPr id="22" name="PlaceHolder 1"/>
+          <p:cNvPr id="27" name="PlaceHolder 1"/>
           <p:cNvSpPr>
             <a:spLocks noGrp="1"/>
           </p:cNvSpPr>
@@ -3154,7 +3742,7 @@
         <p:spPr>
           <a:xfrm>
             <a:off x="504000" y="226080"/>
-            <a:ext cx="9070920" cy="4802400"/>
+            <a:ext cx="9070560" cy="4802040"/>
           </a:xfrm>
           <a:prstGeom prst="rect">
             <a:avLst/>
@@ -3198,14 +3786,14 @@
       </p:sp>
       <p:sp>
         <p:nvSpPr>
-          <p:cNvPr id="23" name=""/>
+          <p:cNvPr id="28" name=""/>
           <p:cNvSpPr/>
           <p:nvPr/>
         </p:nvSpPr>
         <p:spPr>
           <a:xfrm>
             <a:off x="3886200" y="4785480"/>
-            <a:ext cx="2285280" cy="345600"/>
+            <a:ext cx="2284920" cy="345240"/>
           </a:xfrm>
           <a:prstGeom prst="rect">
             <a:avLst/>
@@ -3305,7 +3893,7 @@
       </p:grpSpPr>
       <p:sp>
         <p:nvSpPr>
-          <p:cNvPr id="45" name="PlaceHolder 1"/>
+          <p:cNvPr id="50" name="PlaceHolder 1"/>
           <p:cNvSpPr>
             <a:spLocks noGrp="1"/>
           </p:cNvSpPr>
@@ -3316,7 +3904,7 @@
         <p:spPr>
           <a:xfrm>
             <a:off x="504000" y="226080"/>
-            <a:ext cx="9070920" cy="4803120"/>
+            <a:ext cx="9070560" cy="4802760"/>
           </a:xfrm>
           <a:prstGeom prst="rect">
             <a:avLst/>
@@ -3332,7 +3920,13 @@
           </a:bodyPr>
           <a:p>
             <a:pPr indent="0" algn="ctr">
+              <a:lnSpc>
+                <a:spcPct val="100000"/>
+              </a:lnSpc>
               <a:buNone/>
+              <a:tabLst>
+                <a:tab algn="l" pos="0"/>
+              </a:tabLst>
             </a:pPr>
             <a:r>
               <a:rPr b="0" lang="en-US" sz="4400" spc="-1" strike="noStrike">
@@ -3384,7 +3978,7 @@
       </p:grpSpPr>
       <p:sp>
         <p:nvSpPr>
-          <p:cNvPr id="46" name="PlaceHolder 1"/>
+          <p:cNvPr id="51" name="PlaceHolder 1"/>
           <p:cNvSpPr>
             <a:spLocks noGrp="1"/>
           </p:cNvSpPr>
@@ -3395,7 +3989,7 @@
         <p:spPr>
           <a:xfrm>
             <a:off x="504000" y="226080"/>
-            <a:ext cx="9070920" cy="945720"/>
+            <a:ext cx="9070560" cy="945360"/>
           </a:xfrm>
           <a:prstGeom prst="rect">
             <a:avLst/>
@@ -3442,7 +4036,7 @@
       </p:sp>
       <p:sp>
         <p:nvSpPr>
-          <p:cNvPr id="47" name="PlaceHolder 2"/>
+          <p:cNvPr id="52" name="PlaceHolder 2"/>
           <p:cNvSpPr>
             <a:spLocks noGrp="1"/>
           </p:cNvSpPr>
@@ -3453,7 +4047,7 @@
         <p:spPr>
           <a:xfrm>
             <a:off x="504000" y="1326600"/>
-            <a:ext cx="9070920" cy="3287520"/>
+            <a:ext cx="9070560" cy="3287160"/>
           </a:xfrm>
           <a:prstGeom prst="rect">
             <a:avLst/>
@@ -3485,7 +4079,7 @@
       </p:sp>
       <p:pic>
         <p:nvPicPr>
-          <p:cNvPr id="48" name="" descr=""/>
+          <p:cNvPr id="53" name="" descr=""/>
           <p:cNvPicPr/>
           <p:nvPr/>
         </p:nvPicPr>
@@ -3496,7 +4090,7 @@
         <p:spPr>
           <a:xfrm>
             <a:off x="1828800" y="1098720"/>
-            <a:ext cx="6499440" cy="4571640"/>
+            <a:ext cx="6499080" cy="4571280"/>
           </a:xfrm>
           <a:prstGeom prst="rect">
             <a:avLst/>
@@ -3538,7 +4132,7 @@
       </p:grpSpPr>
       <p:sp>
         <p:nvSpPr>
-          <p:cNvPr id="49" name="PlaceHolder 1"/>
+          <p:cNvPr id="54" name="PlaceHolder 1"/>
           <p:cNvSpPr>
             <a:spLocks noGrp="1"/>
           </p:cNvSpPr>
@@ -3549,7 +4143,7 @@
         <p:spPr>
           <a:xfrm>
             <a:off x="504000" y="226080"/>
-            <a:ext cx="9070920" cy="945720"/>
+            <a:ext cx="9070560" cy="945360"/>
           </a:xfrm>
           <a:prstGeom prst="rect">
             <a:avLst/>
@@ -3565,10 +4159,16 @@
           </a:bodyPr>
           <a:p>
             <a:pPr indent="0" algn="ctr">
+              <a:lnSpc>
+                <a:spcPct val="100000"/>
+              </a:lnSpc>
               <a:spcBef>
                 <a:spcPts val="1134"/>
               </a:spcBef>
               <a:buNone/>
+              <a:tabLst>
+                <a:tab algn="l" pos="0"/>
+              </a:tabLst>
             </a:pPr>
             <a:r>
               <a:rPr b="0" lang="en-US" sz="4400" spc="-1" strike="noStrike">
@@ -3590,7 +4190,7 @@
       </p:sp>
       <p:sp>
         <p:nvSpPr>
-          <p:cNvPr id="50" name="PlaceHolder 2"/>
+          <p:cNvPr id="55" name="PlaceHolder 2"/>
           <p:cNvSpPr>
             <a:spLocks noGrp="1"/>
           </p:cNvSpPr>
@@ -3601,7 +4201,7 @@
         <p:spPr>
           <a:xfrm>
             <a:off x="504000" y="1326600"/>
-            <a:ext cx="9070920" cy="3287520"/>
+            <a:ext cx="9070560" cy="3287160"/>
           </a:xfrm>
           <a:prstGeom prst="rect">
             <a:avLst/>
@@ -3622,7 +4222,7 @@
               </a:spcBef>
               <a:buNone/>
             </a:pPr>
-            <a:endParaRPr b="0" lang="en-US" sz="3200" spc="-1" strike="noStrike">
+            <a:endParaRPr b="0" lang="en-US" sz="1800" spc="-1" strike="noStrike">
               <a:solidFill>
                 <a:srgbClr val="000000"/>
               </a:solidFill>
@@ -3633,7 +4233,7 @@
       </p:sp>
       <p:pic>
         <p:nvPicPr>
-          <p:cNvPr id="51" name="" descr=""/>
+          <p:cNvPr id="56" name="" descr=""/>
           <p:cNvPicPr/>
           <p:nvPr/>
         </p:nvPicPr>
@@ -3644,7 +4244,7 @@
         <p:spPr>
           <a:xfrm>
             <a:off x="1828800" y="1026000"/>
-            <a:ext cx="6172200" cy="4644720"/>
+            <a:ext cx="6171840" cy="4644360"/>
           </a:xfrm>
           <a:prstGeom prst="rect">
             <a:avLst/>
@@ -3686,7 +4286,7 @@
       </p:grpSpPr>
       <p:sp>
         <p:nvSpPr>
-          <p:cNvPr id="52" name="PlaceHolder 1"/>
+          <p:cNvPr id="57" name="PlaceHolder 1"/>
           <p:cNvSpPr>
             <a:spLocks noGrp="1"/>
           </p:cNvSpPr>
@@ -3697,7 +4297,7 @@
         <p:spPr>
           <a:xfrm>
             <a:off x="504000" y="226080"/>
-            <a:ext cx="9070920" cy="945720"/>
+            <a:ext cx="9070560" cy="945360"/>
           </a:xfrm>
           <a:prstGeom prst="rect">
             <a:avLst/>
@@ -3713,10 +4313,16 @@
           </a:bodyPr>
           <a:p>
             <a:pPr indent="0" algn="ctr">
+              <a:lnSpc>
+                <a:spcPct val="100000"/>
+              </a:lnSpc>
               <a:spcBef>
                 <a:spcPts val="1134"/>
               </a:spcBef>
               <a:buNone/>
+              <a:tabLst>
+                <a:tab algn="l" pos="0"/>
+              </a:tabLst>
             </a:pPr>
             <a:r>
               <a:rPr b="0" lang="en-US" sz="4400" spc="-1" strike="noStrike">
@@ -3738,7 +4344,7 @@
       </p:sp>
       <p:sp>
         <p:nvSpPr>
-          <p:cNvPr id="53" name="PlaceHolder 2"/>
+          <p:cNvPr id="58" name="PlaceHolder 2"/>
           <p:cNvSpPr>
             <a:spLocks noGrp="1"/>
           </p:cNvSpPr>
@@ -3749,7 +4355,7 @@
         <p:spPr>
           <a:xfrm>
             <a:off x="504000" y="1326600"/>
-            <a:ext cx="9070920" cy="3287520"/>
+            <a:ext cx="9070560" cy="3287160"/>
           </a:xfrm>
           <a:prstGeom prst="rect">
             <a:avLst/>
@@ -3770,7 +4376,7 @@
               </a:spcBef>
               <a:buNone/>
             </a:pPr>
-            <a:endParaRPr b="0" lang="en-US" sz="3200" spc="-1" strike="noStrike">
+            <a:endParaRPr b="0" lang="en-US" sz="1800" spc="-1" strike="noStrike">
               <a:solidFill>
                 <a:srgbClr val="000000"/>
               </a:solidFill>
@@ -3781,7 +4387,7 @@
       </p:sp>
       <p:pic>
         <p:nvPicPr>
-          <p:cNvPr id="54" name="" descr=""/>
+          <p:cNvPr id="59" name="" descr=""/>
           <p:cNvPicPr/>
           <p:nvPr/>
         </p:nvPicPr>
@@ -3792,7 +4398,7 @@
         <p:spPr>
           <a:xfrm>
             <a:off x="1287720" y="1143000"/>
-            <a:ext cx="7399080" cy="4343400"/>
+            <a:ext cx="7398720" cy="4343040"/>
           </a:xfrm>
           <a:prstGeom prst="rect">
             <a:avLst/>
@@ -3834,7 +4440,7 @@
       </p:grpSpPr>
       <p:sp>
         <p:nvSpPr>
-          <p:cNvPr id="55" name="PlaceHolder 1"/>
+          <p:cNvPr id="60" name="PlaceHolder 1"/>
           <p:cNvSpPr>
             <a:spLocks noGrp="1"/>
           </p:cNvSpPr>
@@ -3845,7 +4451,7 @@
         <p:spPr>
           <a:xfrm>
             <a:off x="504000" y="226080"/>
-            <a:ext cx="9070920" cy="945720"/>
+            <a:ext cx="9070560" cy="945360"/>
           </a:xfrm>
           <a:prstGeom prst="rect">
             <a:avLst/>
@@ -3889,7 +4495,7 @@
       </p:sp>
       <p:sp>
         <p:nvSpPr>
-          <p:cNvPr id="56" name="PlaceHolder 2"/>
+          <p:cNvPr id="61" name="PlaceHolder 2"/>
           <p:cNvSpPr>
             <a:spLocks noGrp="1"/>
           </p:cNvSpPr>
@@ -3900,7 +4506,7 @@
         <p:spPr>
           <a:xfrm>
             <a:off x="504000" y="1326600"/>
-            <a:ext cx="9070920" cy="3287520"/>
+            <a:ext cx="9070560" cy="3287160"/>
           </a:xfrm>
           <a:prstGeom prst="rect">
             <a:avLst/>
@@ -3962,7 +4568,7 @@
       </p:grpSpPr>
       <p:sp>
         <p:nvSpPr>
-          <p:cNvPr id="57" name="PlaceHolder 1"/>
+          <p:cNvPr id="62" name="PlaceHolder 1"/>
           <p:cNvSpPr>
             <a:spLocks noGrp="1"/>
           </p:cNvSpPr>
@@ -3973,7 +4579,7 @@
         <p:spPr>
           <a:xfrm>
             <a:off x="504000" y="226080"/>
-            <a:ext cx="9070920" cy="945720"/>
+            <a:ext cx="9070560" cy="945360"/>
           </a:xfrm>
           <a:prstGeom prst="rect">
             <a:avLst/>
@@ -4017,7 +4623,7 @@
       </p:sp>
       <p:sp>
         <p:nvSpPr>
-          <p:cNvPr id="58" name="PlaceHolder 2"/>
+          <p:cNvPr id="63" name="PlaceHolder 2"/>
           <p:cNvSpPr>
             <a:spLocks noGrp="1"/>
           </p:cNvSpPr>
@@ -4028,7 +4634,7 @@
         <p:spPr>
           <a:xfrm>
             <a:off x="504000" y="1326600"/>
-            <a:ext cx="9070920" cy="3287520"/>
+            <a:ext cx="9070560" cy="3287160"/>
           </a:xfrm>
           <a:prstGeom prst="rect">
             <a:avLst/>
@@ -4043,7 +4649,7 @@
             <a:normAutofit/>
           </a:bodyPr>
           <a:p>
-            <a:pPr indent="-324000">
+            <a:pPr marL="432000" indent="-324000">
               <a:lnSpc>
                 <a:spcPct val="100000"/>
               </a:lnSpc>
@@ -4080,7 +4686,6 @@
                   <a:srgbClr val="000000"/>
                 </a:solidFill>
                 <a:latin typeface="Arial"/>
-                <a:hlinkClick r:id="rId1"/>
               </a:rPr>
               <a:t>https://github/com/numpy/numpy/tree/main/branding/logo</a:t>
             </a:r>
@@ -4092,7 +4697,7 @@
             </a:endParaRPr>
           </a:p>
           <a:p>
-            <a:pPr indent="-324000">
+            <a:pPr marL="432000" indent="-324000">
               <a:lnSpc>
                 <a:spcPct val="100000"/>
               </a:lnSpc>
@@ -4113,6 +4718,204 @@
                 <a:latin typeface="Arial"/>
               </a:rPr>
               <a:t>SciPy devleopers (n.d.). Scipy logo. Retrieved from https://github.com/scipy/scipy.org/blob/main/static/images/logo.svg</a:t>
+            </a:r>
+            <a:endParaRPr b="0" lang="en-US" sz="900" spc="-1" strike="noStrike">
+              <a:solidFill>
+                <a:srgbClr val="000000"/>
+              </a:solidFill>
+              <a:latin typeface="Arial"/>
+            </a:endParaRPr>
+          </a:p>
+          <a:p>
+            <a:pPr marL="432000" indent="-324000">
+              <a:lnSpc>
+                <a:spcPct val="100000"/>
+              </a:lnSpc>
+              <a:spcBef>
+                <a:spcPts val="1417"/>
+              </a:spcBef>
+              <a:buClr>
+                <a:srgbClr val="000000"/>
+              </a:buClr>
+              <a:buFont typeface="Wingdings" charset="2"/>
+              <a:buChar char=""/>
+            </a:pPr>
+            <a:r>
+              <a:rPr b="0" lang="en-US" sz="900" spc="-1" strike="noStrike">
+                <a:solidFill>
+                  <a:srgbClr val="000000"/>
+                </a:solidFill>
+                <a:latin typeface="Arial"/>
+              </a:rPr>
+              <a:t>Biopython. (n.d.). Biopython logo. Retrieved from https://biopython.org/wiki/logo</a:t>
+            </a:r>
+            <a:endParaRPr b="0" lang="en-US" sz="900" spc="-1" strike="noStrike">
+              <a:solidFill>
+                <a:srgbClr val="000000"/>
+              </a:solidFill>
+              <a:latin typeface="Arial"/>
+            </a:endParaRPr>
+          </a:p>
+          <a:p>
+            <a:pPr marL="432000" indent="-324000">
+              <a:lnSpc>
+                <a:spcPct val="100000"/>
+              </a:lnSpc>
+              <a:spcBef>
+                <a:spcPts val="1417"/>
+              </a:spcBef>
+              <a:buClr>
+                <a:srgbClr val="000000"/>
+              </a:buClr>
+              <a:buFont typeface="Wingdings" charset="2"/>
+              <a:buChar char=""/>
+            </a:pPr>
+            <a:r>
+              <a:rPr b="0" lang="en-US" sz="900" spc="-1" strike="noStrike">
+                <a:solidFill>
+                  <a:srgbClr val="000000"/>
+                </a:solidFill>
+                <a:latin typeface="Arial"/>
+              </a:rPr>
+              <a:t>Hanafy, O. S., Khalil, M. M., Khater, I. M., &amp; Mohammed, H. S. (2020).  Development of a new Python‐based cardiac phantom for myocardial SPECT imaging. </a:t>
+            </a:r>
+            <a:r>
+              <a:rPr b="0" i="1" lang="en-US" sz="900" spc="-1" strike="noStrike">
+                <a:solidFill>
+                  <a:srgbClr val="000000"/>
+                </a:solidFill>
+                <a:latin typeface="Arial"/>
+              </a:rPr>
+              <a:t>Annals of Nuclear Medicine</a:t>
+            </a:r>
+            <a:r>
+              <a:rPr b="0" lang="en-US" sz="900" spc="-1" strike="noStrike">
+                <a:solidFill>
+                  <a:srgbClr val="000000"/>
+                </a:solidFill>
+                <a:latin typeface="Arial"/>
+              </a:rPr>
+              <a:t>, 23(1), 257. https://doi.org/10.1007/s12149-020-01534-y</a:t>
+            </a:r>
+            <a:endParaRPr b="0" lang="en-US" sz="900" spc="-1" strike="noStrike">
+              <a:solidFill>
+                <a:srgbClr val="000000"/>
+              </a:solidFill>
+              <a:latin typeface="Arial"/>
+            </a:endParaRPr>
+          </a:p>
+          <a:p>
+            <a:pPr marL="432000" indent="-324000">
+              <a:lnSpc>
+                <a:spcPct val="100000"/>
+              </a:lnSpc>
+              <a:spcBef>
+                <a:spcPts val="1417"/>
+              </a:spcBef>
+              <a:buClr>
+                <a:srgbClr val="000000"/>
+              </a:buClr>
+              <a:buFont typeface="Wingdings" charset="2"/>
+              <a:buChar char=""/>
+            </a:pPr>
+            <a:r>
+              <a:rPr b="0" lang="en-US" sz="900" spc="-1" strike="noStrike">
+                <a:solidFill>
+                  <a:srgbClr val="000000"/>
+                </a:solidFill>
+                <a:latin typeface="Arial"/>
+              </a:rPr>
+              <a:t>Matplotlib developers. (n.d.). Matplotlib logo. Retrieved from https://matplotlib.org/stable/gallery/misc/logos2.html</a:t>
+            </a:r>
+            <a:endParaRPr b="0" lang="en-US" sz="900" spc="-1" strike="noStrike">
+              <a:solidFill>
+                <a:srgbClr val="000000"/>
+              </a:solidFill>
+              <a:latin typeface="Arial"/>
+            </a:endParaRPr>
+          </a:p>
+          <a:p>
+            <a:pPr marL="432000" indent="-324000">
+              <a:lnSpc>
+                <a:spcPct val="100000"/>
+              </a:lnSpc>
+              <a:spcBef>
+                <a:spcPts val="1417"/>
+              </a:spcBef>
+              <a:buClr>
+                <a:srgbClr val="000000"/>
+              </a:buClr>
+              <a:buFont typeface="Wingdings" charset="2"/>
+              <a:buChar char=""/>
+            </a:pPr>
+            <a:r>
+              <a:rPr b="0" lang="en-US" sz="900" spc="-1" strike="noStrike">
+                <a:solidFill>
+                  <a:srgbClr val="000000"/>
+                </a:solidFill>
+                <a:latin typeface="Arial"/>
+              </a:rPr>
+              <a:t>pandas development team. (n.d.). Pandas logo. Retrieved from https://pandas.pydata.org/about/citing.html</a:t>
+            </a:r>
+            <a:endParaRPr b="0" lang="en-US" sz="900" spc="-1" strike="noStrike">
+              <a:solidFill>
+                <a:srgbClr val="000000"/>
+              </a:solidFill>
+              <a:latin typeface="Arial"/>
+            </a:endParaRPr>
+          </a:p>
+          <a:p>
+            <a:pPr marL="432000" indent="-324000">
+              <a:lnSpc>
+                <a:spcPct val="100000"/>
+              </a:lnSpc>
+              <a:spcBef>
+                <a:spcPts val="1417"/>
+              </a:spcBef>
+              <a:buClr>
+                <a:srgbClr val="000000"/>
+              </a:buClr>
+              <a:buFont typeface="Wingdings" charset="2"/>
+              <a:buChar char=""/>
+            </a:pPr>
+            <a:r>
+              <a:rPr b="0" lang="en-US" sz="900" spc="-1" strike="noStrike">
+                <a:solidFill>
+                  <a:srgbClr val="000000"/>
+                </a:solidFill>
+                <a:latin typeface="Arial"/>
+              </a:rPr>
+              <a:t>Python Software Foundation. (n.d.). Python logo. Retrieved from https://www.python.org/community/logos/</a:t>
+            </a:r>
+            <a:endParaRPr b="0" lang="en-US" sz="900" spc="-1" strike="noStrike">
+              <a:solidFill>
+                <a:srgbClr val="000000"/>
+              </a:solidFill>
+              <a:latin typeface="Arial"/>
+            </a:endParaRPr>
+          </a:p>
+          <a:p>
+            <a:pPr marL="432000" indent="-324000">
+              <a:lnSpc>
+                <a:spcPct val="100000"/>
+              </a:lnSpc>
+              <a:spcBef>
+                <a:spcPts val="1417"/>
+              </a:spcBef>
+              <a:buClr>
+                <a:srgbClr val="000000"/>
+              </a:buClr>
+              <a:buFont typeface="Wingdings" charset="2"/>
+              <a:buChar char=""/>
+            </a:pPr>
+            <a:r>
+              <a:rPr b="0" lang="en-US" sz="900" spc="-1" strike="noStrike">
+                <a:solidFill>
+                  <a:srgbClr val="000000"/>
+                </a:solidFill>
+                <a:latin typeface="Arial"/>
+              </a:rPr>
+              <a:t>Splettstoesser, T. (n.d.). Cas9 protein structure [Image]. Wikimedia Commons. Retrieved from https://en.wikipedia.org/wiki/Cas9#/media/File:Cas9_5AXW.png</a:t>
             </a:r>
             <a:endParaRPr b="0" lang="en-US" sz="900" spc="-1" strike="noStrike">
               <a:solidFill>
@@ -4155,7 +4958,7 @@
       </p:grpSpPr>
       <p:sp>
         <p:nvSpPr>
-          <p:cNvPr id="59" name="PlaceHolder 1"/>
+          <p:cNvPr id="64" name="PlaceHolder 1"/>
           <p:cNvSpPr>
             <a:spLocks noGrp="1"/>
           </p:cNvSpPr>
@@ -4166,7 +4969,7 @@
         <p:spPr>
           <a:xfrm>
             <a:off x="504000" y="226080"/>
-            <a:ext cx="9070920" cy="5260320"/>
+            <a:ext cx="9070560" cy="5259960"/>
           </a:xfrm>
           <a:prstGeom prst="rect">
             <a:avLst/>
@@ -4240,7 +5043,7 @@
       </p:grpSpPr>
       <p:sp>
         <p:nvSpPr>
-          <p:cNvPr id="24" name="PlaceHolder 1"/>
+          <p:cNvPr id="29" name="PlaceHolder 1"/>
           <p:cNvSpPr>
             <a:spLocks noGrp="1"/>
           </p:cNvSpPr>
@@ -4251,7 +5054,7 @@
         <p:spPr>
           <a:xfrm>
             <a:off x="504000" y="226080"/>
-            <a:ext cx="9070920" cy="945720"/>
+            <a:ext cx="9070560" cy="945360"/>
           </a:xfrm>
           <a:prstGeom prst="rect">
             <a:avLst/>
@@ -4295,7 +5098,7 @@
       </p:sp>
       <p:sp>
         <p:nvSpPr>
-          <p:cNvPr id="25" name="PlaceHolder 2"/>
+          <p:cNvPr id="30" name="PlaceHolder 2"/>
           <p:cNvSpPr>
             <a:spLocks noGrp="1"/>
           </p:cNvSpPr>
@@ -4306,7 +5109,7 @@
         <p:spPr>
           <a:xfrm>
             <a:off x="504000" y="1326600"/>
-            <a:ext cx="9070920" cy="3287520"/>
+            <a:ext cx="9070560" cy="3287160"/>
           </a:xfrm>
           <a:prstGeom prst="rect">
             <a:avLst/>
@@ -4509,7 +5312,7 @@
       </p:grpSpPr>
       <p:sp>
         <p:nvSpPr>
-          <p:cNvPr id="26" name="PlaceHolder 1"/>
+          <p:cNvPr id="31" name="PlaceHolder 1"/>
           <p:cNvSpPr>
             <a:spLocks noGrp="1"/>
           </p:cNvSpPr>
@@ -4520,7 +5323,7 @@
         <p:spPr>
           <a:xfrm>
             <a:off x="504000" y="226080"/>
-            <a:ext cx="9070920" cy="945720"/>
+            <a:ext cx="9070560" cy="945360"/>
           </a:xfrm>
           <a:prstGeom prst="rect">
             <a:avLst/>
@@ -4564,7 +5367,7 @@
       </p:sp>
       <p:sp>
         <p:nvSpPr>
-          <p:cNvPr id="27" name="PlaceHolder 2"/>
+          <p:cNvPr id="32" name="PlaceHolder 2"/>
           <p:cNvSpPr>
             <a:spLocks noGrp="1"/>
           </p:cNvSpPr>
@@ -4575,7 +5378,7 @@
         <p:spPr>
           <a:xfrm>
             <a:off x="504000" y="1326600"/>
-            <a:ext cx="9070920" cy="3287520"/>
+            <a:ext cx="9070560" cy="3287160"/>
           </a:xfrm>
           <a:prstGeom prst="rect">
             <a:avLst/>
@@ -4611,16 +5414,7 @@
                 </a:solidFill>
                 <a:latin typeface="Arial"/>
               </a:rPr>
-              <a:t>Objects that simulate human tissues and </a:t>
-            </a:r>
-            <a:r>
-              <a:rPr b="0" lang="en-US" sz="3200" spc="-1" strike="noStrike">
-                <a:solidFill>
-                  <a:srgbClr val="000000"/>
-                </a:solidFill>
-                <a:latin typeface="Arial"/>
-              </a:rPr>
-              <a:t>organs to test and calibrate imaging devices</a:t>
+              <a:t>Objects that simulate human tissues and organs to test and calibrate imaging devices</a:t>
             </a:r>
             <a:endParaRPr b="0" lang="en-US" sz="3200" spc="-1" strike="noStrike">
               <a:solidFill>
@@ -4838,7 +5632,7 @@
       </p:grpSpPr>
       <p:sp>
         <p:nvSpPr>
-          <p:cNvPr id="28" name="PlaceHolder 1"/>
+          <p:cNvPr id="33" name="PlaceHolder 1"/>
           <p:cNvSpPr>
             <a:spLocks noGrp="1"/>
           </p:cNvSpPr>
@@ -4849,7 +5643,7 @@
         <p:spPr>
           <a:xfrm>
             <a:off x="504000" y="226080"/>
-            <a:ext cx="9070920" cy="945720"/>
+            <a:ext cx="9070560" cy="945360"/>
           </a:xfrm>
           <a:prstGeom prst="rect">
             <a:avLst/>
@@ -4893,7 +5687,7 @@
       </p:sp>
       <p:sp>
         <p:nvSpPr>
-          <p:cNvPr id="29" name="PlaceHolder 2"/>
+          <p:cNvPr id="34" name="PlaceHolder 2"/>
           <p:cNvSpPr>
             <a:spLocks noGrp="1"/>
           </p:cNvSpPr>
@@ -4904,7 +5698,7 @@
         <p:spPr>
           <a:xfrm>
             <a:off x="228600" y="1326600"/>
-            <a:ext cx="5439240" cy="3930840"/>
+            <a:ext cx="5438880" cy="3930480"/>
           </a:xfrm>
           <a:prstGeom prst="rect">
             <a:avLst/>
@@ -5139,7 +5933,7 @@
       </p:sp>
       <p:pic>
         <p:nvPicPr>
-          <p:cNvPr id="30" name="" descr=""/>
+          <p:cNvPr id="35" name="" descr=""/>
           <p:cNvPicPr/>
           <p:nvPr/>
         </p:nvPicPr>
@@ -5151,7 +5945,7 @@
         <p:spPr>
           <a:xfrm>
             <a:off x="6658920" y="3369600"/>
-            <a:ext cx="1798920" cy="2300760"/>
+            <a:ext cx="1798560" cy="2300400"/>
           </a:xfrm>
           <a:prstGeom prst="rect">
             <a:avLst/>
@@ -5163,7 +5957,7 @@
       </p:pic>
       <p:pic>
         <p:nvPicPr>
-          <p:cNvPr id="31" name="" descr=""/>
+          <p:cNvPr id="36" name="" descr=""/>
           <p:cNvPicPr/>
           <p:nvPr/>
         </p:nvPicPr>
@@ -5174,7 +5968,7 @@
         <p:spPr>
           <a:xfrm>
             <a:off x="6172200" y="1050840"/>
-            <a:ext cx="3200040" cy="2149200"/>
+            <a:ext cx="3199680" cy="2148840"/>
           </a:xfrm>
           <a:prstGeom prst="rect">
             <a:avLst/>
@@ -5216,7 +6010,7 @@
       </p:grpSpPr>
       <p:sp>
         <p:nvSpPr>
-          <p:cNvPr id="32" name="PlaceHolder 1"/>
+          <p:cNvPr id="37" name="PlaceHolder 1"/>
           <p:cNvSpPr>
             <a:spLocks noGrp="1"/>
           </p:cNvSpPr>
@@ -5227,7 +6021,7 @@
         <p:spPr>
           <a:xfrm>
             <a:off x="504000" y="226080"/>
-            <a:ext cx="9070920" cy="945720"/>
+            <a:ext cx="9070560" cy="945360"/>
           </a:xfrm>
           <a:prstGeom prst="rect">
             <a:avLst/>
@@ -5271,7 +6065,7 @@
       </p:sp>
       <p:sp>
         <p:nvSpPr>
-          <p:cNvPr id="33" name="PlaceHolder 2"/>
+          <p:cNvPr id="38" name="PlaceHolder 2"/>
           <p:cNvSpPr>
             <a:spLocks noGrp="1"/>
           </p:cNvSpPr>
@@ -5282,7 +6076,7 @@
         <p:spPr>
           <a:xfrm>
             <a:off x="504000" y="1326600"/>
-            <a:ext cx="9070920" cy="3287520"/>
+            <a:ext cx="9070560" cy="3287160"/>
           </a:xfrm>
           <a:prstGeom prst="rect">
             <a:avLst/>
@@ -5640,7 +6434,7 @@
       </p:grpSpPr>
       <p:sp>
         <p:nvSpPr>
-          <p:cNvPr id="34" name="PlaceHolder 1"/>
+          <p:cNvPr id="39" name="PlaceHolder 1"/>
           <p:cNvSpPr>
             <a:spLocks noGrp="1"/>
           </p:cNvSpPr>
@@ -5651,7 +6445,7 @@
         <p:spPr>
           <a:xfrm>
             <a:off x="504000" y="226080"/>
-            <a:ext cx="9070920" cy="945720"/>
+            <a:ext cx="9070560" cy="945360"/>
           </a:xfrm>
           <a:prstGeom prst="rect">
             <a:avLst/>
@@ -5695,7 +6489,7 @@
       </p:sp>
       <p:sp>
         <p:nvSpPr>
-          <p:cNvPr id="35" name="PlaceHolder 2"/>
+          <p:cNvPr id="40" name="PlaceHolder 2"/>
           <p:cNvSpPr>
             <a:spLocks noGrp="1"/>
           </p:cNvSpPr>
@@ -5706,7 +6500,7 @@
         <p:spPr>
           <a:xfrm>
             <a:off x="504000" y="1326600"/>
-            <a:ext cx="9070920" cy="3287520"/>
+            <a:ext cx="9070560" cy="3287160"/>
           </a:xfrm>
           <a:prstGeom prst="rect">
             <a:avLst/>
@@ -5847,7 +6641,7 @@
       </p:grpSpPr>
       <p:sp>
         <p:nvSpPr>
-          <p:cNvPr id="36" name="PlaceHolder 1"/>
+          <p:cNvPr id="41" name="PlaceHolder 1"/>
           <p:cNvSpPr>
             <a:spLocks noGrp="1"/>
           </p:cNvSpPr>
@@ -5858,7 +6652,7 @@
         <p:spPr>
           <a:xfrm>
             <a:off x="504000" y="226080"/>
-            <a:ext cx="9070920" cy="945720"/>
+            <a:ext cx="9070560" cy="945360"/>
           </a:xfrm>
           <a:prstGeom prst="rect">
             <a:avLst/>
@@ -5902,7 +6696,7 @@
       </p:sp>
       <p:sp>
         <p:nvSpPr>
-          <p:cNvPr id="37" name="PlaceHolder 2"/>
+          <p:cNvPr id="42" name="PlaceHolder 2"/>
           <p:cNvSpPr>
             <a:spLocks noGrp="1"/>
           </p:cNvSpPr>
@@ -5913,7 +6707,7 @@
         <p:spPr>
           <a:xfrm>
             <a:off x="504000" y="1326600"/>
-            <a:ext cx="9070920" cy="3287520"/>
+            <a:ext cx="9070560" cy="3287160"/>
           </a:xfrm>
           <a:prstGeom prst="rect">
             <a:avLst/>
@@ -6011,16 +6805,7 @@
                 </a:solidFill>
                 <a:latin typeface="Arial"/>
               </a:rPr>
-              <a:t>Accurate phantom for validating and improving the </a:t>
-            </a:r>
-            <a:r>
-              <a:rPr b="0" lang="en-US" sz="2800" spc="-1" strike="noStrike">
-                <a:solidFill>
-                  <a:srgbClr val="000000"/>
-                </a:solidFill>
-                <a:latin typeface="Arial"/>
-              </a:rPr>
-              <a:t>quantitative analysis software</a:t>
+              <a:t>Accurate phantom for validating and improving the quantitative analysis software</a:t>
             </a:r>
             <a:endParaRPr b="0" lang="en-US" sz="2800" spc="-1" strike="noStrike">
               <a:solidFill>
@@ -6156,7 +6941,7 @@
       </p:grpSpPr>
       <p:sp>
         <p:nvSpPr>
-          <p:cNvPr id="38" name="PlaceHolder 1"/>
+          <p:cNvPr id="43" name="PlaceHolder 1"/>
           <p:cNvSpPr>
             <a:spLocks noGrp="1"/>
           </p:cNvSpPr>
@@ -6167,7 +6952,7 @@
         <p:spPr>
           <a:xfrm>
             <a:off x="504000" y="226080"/>
-            <a:ext cx="9070920" cy="945720"/>
+            <a:ext cx="9070560" cy="945360"/>
           </a:xfrm>
           <a:prstGeom prst="rect">
             <a:avLst/>
@@ -6211,7 +6996,7 @@
       </p:sp>
       <p:sp>
         <p:nvSpPr>
-          <p:cNvPr id="39" name="PlaceHolder 2"/>
+          <p:cNvPr id="44" name="PlaceHolder 2"/>
           <p:cNvSpPr>
             <a:spLocks noGrp="1"/>
           </p:cNvSpPr>
@@ -6222,7 +7007,7 @@
         <p:spPr>
           <a:xfrm>
             <a:off x="504000" y="1326600"/>
-            <a:ext cx="9070920" cy="3287520"/>
+            <a:ext cx="9070560" cy="3287160"/>
           </a:xfrm>
           <a:prstGeom prst="rect">
             <a:avLst/>
@@ -6364,7 +7149,7 @@
       </p:sp>
       <p:pic>
         <p:nvPicPr>
-          <p:cNvPr id="40" name="" descr=""/>
+          <p:cNvPr id="45" name="" descr=""/>
           <p:cNvPicPr/>
           <p:nvPr/>
         </p:nvPicPr>
@@ -6375,7 +7160,7 @@
         <p:spPr>
           <a:xfrm>
             <a:off x="8195760" y="228600"/>
-            <a:ext cx="1318680" cy="1598760"/>
+            <a:ext cx="1318320" cy="1598400"/>
           </a:xfrm>
           <a:prstGeom prst="rect">
             <a:avLst/>
@@ -6417,7 +7202,7 @@
       </p:grpSpPr>
       <p:sp>
         <p:nvSpPr>
-          <p:cNvPr id="41" name="PlaceHolder 1"/>
+          <p:cNvPr id="46" name="PlaceHolder 1"/>
           <p:cNvSpPr>
             <a:spLocks noGrp="1"/>
           </p:cNvSpPr>
@@ -6428,7 +7213,7 @@
         <p:spPr>
           <a:xfrm>
             <a:off x="504000" y="226080"/>
-            <a:ext cx="9070920" cy="945720"/>
+            <a:ext cx="9070560" cy="945360"/>
           </a:xfrm>
           <a:prstGeom prst="rect">
             <a:avLst/>
@@ -6472,7 +7257,7 @@
       </p:sp>
       <p:sp>
         <p:nvSpPr>
-          <p:cNvPr id="42" name="PlaceHolder 2"/>
+          <p:cNvPr id="47" name="PlaceHolder 2"/>
           <p:cNvSpPr>
             <a:spLocks noGrp="1"/>
           </p:cNvSpPr>
@@ -6483,7 +7268,7 @@
         <p:spPr>
           <a:xfrm>
             <a:off x="504000" y="1326600"/>
-            <a:ext cx="9070920" cy="3287520"/>
+            <a:ext cx="9070560" cy="3287160"/>
           </a:xfrm>
           <a:prstGeom prst="rect">
             <a:avLst/>
@@ -6585,7 +7370,7 @@
       </p:sp>
       <p:pic>
         <p:nvPicPr>
-          <p:cNvPr id="43" name="" descr=""/>
+          <p:cNvPr id="48" name="" descr=""/>
           <p:cNvPicPr/>
           <p:nvPr/>
         </p:nvPicPr>
@@ -6596,7 +7381,7 @@
         <p:spPr>
           <a:xfrm>
             <a:off x="7315200" y="1600200"/>
-            <a:ext cx="2741760" cy="1232280"/>
+            <a:ext cx="2741400" cy="1231920"/>
           </a:xfrm>
           <a:prstGeom prst="rect">
             <a:avLst/>
@@ -6608,7 +7393,7 @@
       </p:pic>
       <p:pic>
         <p:nvPicPr>
-          <p:cNvPr id="44" name="" descr=""/>
+          <p:cNvPr id="49" name="" descr=""/>
           <p:cNvPicPr/>
           <p:nvPr/>
         </p:nvPicPr>
@@ -6625,7 +7410,7 @@
         <p:spPr>
           <a:xfrm>
             <a:off x="5257800" y="3429360"/>
-            <a:ext cx="1828440" cy="1828440"/>
+            <a:ext cx="1828080" cy="1828080"/>
           </a:xfrm>
           <a:prstGeom prst="rect">
             <a:avLst/>
@@ -6861,6 +7646,112 @@
 </file>
 
 <file path=ppt/theme/theme3.xml><?xml version="1.0" encoding="utf-8"?>
+<a:theme xmlns:a="http://schemas.openxmlformats.org/drawingml/2006/main" xmlns:r="http://schemas.openxmlformats.org/officeDocument/2006/relationships" name="Office">
+  <a:themeElements>
+    <a:clrScheme name="LibreOffice">
+      <a:dk1>
+        <a:srgbClr val="000000"/>
+      </a:dk1>
+      <a:lt1>
+        <a:srgbClr val="ffffff"/>
+      </a:lt1>
+      <a:dk2>
+        <a:srgbClr val="000000"/>
+      </a:dk2>
+      <a:lt2>
+        <a:srgbClr val="ffffff"/>
+      </a:lt2>
+      <a:accent1>
+        <a:srgbClr val="18a303"/>
+      </a:accent1>
+      <a:accent2>
+        <a:srgbClr val="0369a3"/>
+      </a:accent2>
+      <a:accent3>
+        <a:srgbClr val="a33e03"/>
+      </a:accent3>
+      <a:accent4>
+        <a:srgbClr val="8e03a3"/>
+      </a:accent4>
+      <a:accent5>
+        <a:srgbClr val="c99c00"/>
+      </a:accent5>
+      <a:accent6>
+        <a:srgbClr val="c9211e"/>
+      </a:accent6>
+      <a:hlink>
+        <a:srgbClr val="0000ee"/>
+      </a:hlink>
+      <a:folHlink>
+        <a:srgbClr val="551a8b"/>
+      </a:folHlink>
+    </a:clrScheme>
+    <a:fontScheme name="Office">
+      <a:majorFont>
+        <a:latin typeface="Arial" pitchFamily="0" charset="1"/>
+        <a:ea typeface="DejaVu Sans" pitchFamily="0" charset="1"/>
+        <a:cs typeface="DejaVu Sans" pitchFamily="0" charset="1"/>
+      </a:majorFont>
+      <a:minorFont>
+        <a:latin typeface="Arial" pitchFamily="0" charset="1"/>
+        <a:ea typeface="DejaVu Sans" pitchFamily="0" charset="1"/>
+        <a:cs typeface="DejaVu Sans" pitchFamily="0" charset="1"/>
+      </a:minorFont>
+    </a:fontScheme>
+    <a:fmtScheme>
+      <a:fillStyleLst>
+        <a:solidFill>
+          <a:schemeClr val="phClr"/>
+        </a:solidFill>
+        <a:solidFill>
+          <a:schemeClr val="phClr"/>
+        </a:solidFill>
+        <a:solidFill>
+          <a:schemeClr val="phClr"/>
+        </a:solidFill>
+      </a:fillStyleLst>
+      <a:lnStyleLst>
+        <a:ln w="6350" cap="flat" cmpd="sng" algn="ctr">
+          <a:prstDash val="solid"/>
+          <a:miter/>
+        </a:ln>
+        <a:ln w="6350" cap="flat" cmpd="sng" algn="ctr">
+          <a:prstDash val="solid"/>
+          <a:miter/>
+        </a:ln>
+        <a:ln w="6350" cap="flat" cmpd="sng" algn="ctr">
+          <a:prstDash val="solid"/>
+          <a:miter/>
+        </a:ln>
+      </a:lnStyleLst>
+      <a:effectStyleLst>
+        <a:effectStyle>
+          <a:effectLst/>
+        </a:effectStyle>
+        <a:effectStyle>
+          <a:effectLst/>
+        </a:effectStyle>
+        <a:effectStyle>
+          <a:effectLst/>
+        </a:effectStyle>
+      </a:effectStyleLst>
+      <a:bgFillStyleLst>
+        <a:solidFill>
+          <a:schemeClr val="phClr"/>
+        </a:solidFill>
+        <a:solidFill>
+          <a:schemeClr val="phClr"/>
+        </a:solidFill>
+        <a:solidFill>
+          <a:schemeClr val="phClr"/>
+        </a:solidFill>
+      </a:bgFillStyleLst>
+    </a:fmtScheme>
+  </a:themeElements>
+</a:theme>
+</file>
+
+<file path=ppt/theme/theme4.xml><?xml version="1.0" encoding="utf-8"?>
 <a:theme xmlns:a="http://schemas.openxmlformats.org/drawingml/2006/main" xmlns:r="http://schemas.openxmlformats.org/officeDocument/2006/relationships" name="Office Theme">
   <a:themeElements>
     <a:clrScheme name="LibreOffice">
